--- a/MINI PROJECT DE CASE STUDY.pptx
+++ b/MINI PROJECT DE CASE STUDY.pptx
@@ -29,23 +29,26 @@
     <p:sldId id="274" r:id="rId24"/>
     <p:sldId id="275" r:id="rId25"/>
     <p:sldId id="276" r:id="rId26"/>
+    <p:sldId id="277" r:id="rId27"/>
+    <p:sldId id="278" r:id="rId28"/>
+    <p:sldId id="279" r:id="rId29"/>
   </p:sldIdLst>
   <p:sldSz cy="5143500" cx="9144000"/>
   <p:notesSz cx="6858000" cy="9144000"/>
   <p:embeddedFontLst>
     <p:embeddedFont>
       <p:font typeface="Raleway"/>
-      <p:regular r:id="rId27"/>
-      <p:bold r:id="rId28"/>
-      <p:italic r:id="rId29"/>
-      <p:boldItalic r:id="rId30"/>
+      <p:regular r:id="rId30"/>
+      <p:bold r:id="rId31"/>
+      <p:italic r:id="rId32"/>
+      <p:boldItalic r:id="rId33"/>
     </p:embeddedFont>
     <p:embeddedFont>
       <p:font typeface="Lato"/>
-      <p:regular r:id="rId31"/>
-      <p:bold r:id="rId32"/>
-      <p:italic r:id="rId33"/>
-      <p:boldItalic r:id="rId34"/>
+      <p:regular r:id="rId34"/>
+      <p:bold r:id="rId35"/>
+      <p:italic r:id="rId36"/>
+      <p:boldItalic r:id="rId37"/>
     </p:embeddedFont>
   </p:embeddedFontLst>
   <p:defaultTextStyle>
@@ -826,7 +829,7 @@
   <p:cSld>
     <p:spTree>
       <p:nvGrpSpPr>
-        <p:cNvPr id="138" name="Shape 138"/>
+        <p:cNvPr id="140" name="Shape 140"/>
         <p:cNvGrpSpPr/>
         <p:nvPr/>
       </p:nvGrpSpPr>
@@ -840,7 +843,7 @@
       </p:grpSpPr>
       <p:sp>
         <p:nvSpPr>
-          <p:cNvPr id="139" name="Google Shape;139;g1ede0ac9493_0_7:notes"/>
+          <p:cNvPr id="141" name="Google Shape;141;g1ede0ac9493_0_39:notes"/>
           <p:cNvSpPr/>
           <p:nvPr>
             <p:ph idx="2" type="sldImg"/>
@@ -875,7 +878,7 @@
       </p:sp>
       <p:sp>
         <p:nvSpPr>
-          <p:cNvPr id="140" name="Google Shape;140;g1ede0ac9493_0_7:notes"/>
+          <p:cNvPr id="142" name="Google Shape;142;g1ede0ac9493_0_39:notes"/>
           <p:cNvSpPr txBox="1"/>
           <p:nvPr>
             <p:ph idx="1" type="body"/>
@@ -906,7 +909,8 @@
               <a:buNone/>
             </a:pPr>
             <a:r>
-              <a:t/>
+              <a:rPr lang="id"/>
+              <a:t>Proses analisis pada bagian ini hanya dilakukan untuk order yang dilakukan pada tahun 1997 saja.</a:t>
             </a:r>
             <a:endParaRPr/>
           </a:p>
@@ -925,7 +929,7 @@
   <p:cSld>
     <p:spTree>
       <p:nvGrpSpPr>
-        <p:cNvPr id="144" name="Shape 144"/>
+        <p:cNvPr id="145" name="Shape 145"/>
         <p:cNvGrpSpPr/>
         <p:nvPr/>
       </p:nvGrpSpPr>
@@ -939,7 +943,7 @@
       </p:grpSpPr>
       <p:sp>
         <p:nvSpPr>
-          <p:cNvPr id="145" name="Google Shape;145;g1ede0ac9493_0_12:notes"/>
+          <p:cNvPr id="146" name="Google Shape;146;g1ede0ac9493_0_7:notes"/>
           <p:cNvSpPr/>
           <p:nvPr>
             <p:ph idx="2" type="sldImg"/>
@@ -974,7 +978,7 @@
       </p:sp>
       <p:sp>
         <p:nvSpPr>
-          <p:cNvPr id="146" name="Google Shape;146;g1ede0ac9493_0_12:notes"/>
+          <p:cNvPr id="147" name="Google Shape;147;g1ede0ac9493_0_7:notes"/>
           <p:cNvSpPr txBox="1"/>
           <p:nvPr>
             <p:ph idx="1" type="body"/>
@@ -1024,7 +1028,7 @@
   <p:cSld>
     <p:spTree>
       <p:nvGrpSpPr>
-        <p:cNvPr id="152" name="Shape 152"/>
+        <p:cNvPr id="151" name="Shape 151"/>
         <p:cNvGrpSpPr/>
         <p:nvPr/>
       </p:nvGrpSpPr>
@@ -1038,7 +1042,7 @@
       </p:grpSpPr>
       <p:sp>
         <p:nvSpPr>
-          <p:cNvPr id="153" name="Google Shape;153;g1ede0ac9493_0_22:notes"/>
+          <p:cNvPr id="152" name="Google Shape;152;g1ede0ac9493_0_12:notes"/>
           <p:cNvSpPr/>
           <p:nvPr>
             <p:ph idx="2" type="sldImg"/>
@@ -1073,7 +1077,7 @@
       </p:sp>
       <p:sp>
         <p:nvSpPr>
-          <p:cNvPr id="154" name="Google Shape;154;g1ede0ac9493_0_22:notes"/>
+          <p:cNvPr id="153" name="Google Shape;153;g1ede0ac9493_0_12:notes"/>
           <p:cNvSpPr txBox="1"/>
           <p:nvPr>
             <p:ph idx="1" type="body"/>
@@ -1106,18 +1110,7 @@
             <a:r>
               <a:t/>
             </a:r>
-            <a:endParaRPr sz="1050">
-              <a:solidFill>
-                <a:schemeClr val="dk1"/>
-              </a:solidFill>
-              <a:highlight>
-                <a:schemeClr val="lt1"/>
-              </a:highlight>
-              <a:latin typeface="Courier New"/>
-              <a:ea typeface="Courier New"/>
-              <a:cs typeface="Courier New"/>
-              <a:sym typeface="Courier New"/>
-            </a:endParaRPr>
+            <a:endParaRPr/>
           </a:p>
         </p:txBody>
       </p:sp>
@@ -1134,7 +1127,7 @@
   <p:cSld>
     <p:spTree>
       <p:nvGrpSpPr>
-        <p:cNvPr id="159" name="Shape 159"/>
+        <p:cNvPr id="158" name="Shape 158"/>
         <p:cNvGrpSpPr/>
         <p:nvPr/>
       </p:nvGrpSpPr>
@@ -1148,7 +1141,7 @@
       </p:grpSpPr>
       <p:sp>
         <p:nvSpPr>
-          <p:cNvPr id="160" name="Google Shape;160;g1ede0ac9493_0_48:notes"/>
+          <p:cNvPr id="159" name="Google Shape;159;g1eddb43c509_0_15:notes"/>
           <p:cNvSpPr/>
           <p:nvPr>
             <p:ph idx="2" type="sldImg"/>
@@ -1183,7 +1176,7 @@
       </p:sp>
       <p:sp>
         <p:nvSpPr>
-          <p:cNvPr id="161" name="Google Shape;161;g1ede0ac9493_0_48:notes"/>
+          <p:cNvPr id="160" name="Google Shape;160;g1eddb43c509_0_15:notes"/>
           <p:cNvSpPr txBox="1"/>
           <p:nvPr>
             <p:ph idx="1" type="body"/>
@@ -1216,18 +1209,7 @@
             <a:r>
               <a:t/>
             </a:r>
-            <a:endParaRPr sz="1050">
-              <a:solidFill>
-                <a:schemeClr val="dk1"/>
-              </a:solidFill>
-              <a:highlight>
-                <a:schemeClr val="lt1"/>
-              </a:highlight>
-              <a:latin typeface="Courier New"/>
-              <a:ea typeface="Courier New"/>
-              <a:cs typeface="Courier New"/>
-              <a:sym typeface="Courier New"/>
-            </a:endParaRPr>
+            <a:endParaRPr/>
           </a:p>
         </p:txBody>
       </p:sp>
@@ -1244,7 +1226,7 @@
   <p:cSld>
     <p:spTree>
       <p:nvGrpSpPr>
-        <p:cNvPr id="167" name="Shape 167"/>
+        <p:cNvPr id="166" name="Shape 166"/>
         <p:cNvGrpSpPr/>
         <p:nvPr/>
       </p:nvGrpSpPr>
@@ -1258,7 +1240,7 @@
       </p:grpSpPr>
       <p:sp>
         <p:nvSpPr>
-          <p:cNvPr id="168" name="Google Shape;168;g1ede0ac9493_0_65:notes"/>
+          <p:cNvPr id="167" name="Google Shape;167;g1ede0ac9493_0_22:notes"/>
           <p:cNvSpPr/>
           <p:nvPr>
             <p:ph idx="2" type="sldImg"/>
@@ -1293,7 +1275,7 @@
       </p:sp>
       <p:sp>
         <p:nvSpPr>
-          <p:cNvPr id="169" name="Google Shape;169;g1ede0ac9493_0_65:notes"/>
+          <p:cNvPr id="168" name="Google Shape;168;g1ede0ac9493_0_22:notes"/>
           <p:cNvSpPr txBox="1"/>
           <p:nvPr>
             <p:ph idx="1" type="body"/>
@@ -1354,7 +1336,7 @@
   <p:cSld>
     <p:spTree>
       <p:nvGrpSpPr>
-        <p:cNvPr id="175" name="Shape 175"/>
+        <p:cNvPr id="173" name="Shape 173"/>
         <p:cNvGrpSpPr/>
         <p:nvPr/>
       </p:nvGrpSpPr>
@@ -1368,7 +1350,7 @@
       </p:grpSpPr>
       <p:sp>
         <p:nvSpPr>
-          <p:cNvPr id="176" name="Google Shape;176;g1ede0ac9493_0_34:notes"/>
+          <p:cNvPr id="174" name="Google Shape;174;g1ede0ac9493_0_48:notes"/>
           <p:cNvSpPr/>
           <p:nvPr>
             <p:ph idx="2" type="sldImg"/>
@@ -1403,7 +1385,7 @@
       </p:sp>
       <p:sp>
         <p:nvSpPr>
-          <p:cNvPr id="177" name="Google Shape;177;g1ede0ac9493_0_34:notes"/>
+          <p:cNvPr id="175" name="Google Shape;175;g1ede0ac9493_0_48:notes"/>
           <p:cNvSpPr txBox="1"/>
           <p:nvPr>
             <p:ph idx="1" type="body"/>
@@ -1436,7 +1418,18 @@
             <a:r>
               <a:t/>
             </a:r>
-            <a:endParaRPr/>
+            <a:endParaRPr sz="1050">
+              <a:solidFill>
+                <a:schemeClr val="dk1"/>
+              </a:solidFill>
+              <a:highlight>
+                <a:schemeClr val="lt1"/>
+              </a:highlight>
+              <a:latin typeface="Courier New"/>
+              <a:ea typeface="Courier New"/>
+              <a:cs typeface="Courier New"/>
+              <a:sym typeface="Courier New"/>
+            </a:endParaRPr>
           </a:p>
         </p:txBody>
       </p:sp>
@@ -1467,7 +1460,7 @@
       </p:grpSpPr>
       <p:sp>
         <p:nvSpPr>
-          <p:cNvPr id="182" name="Google Shape;182;g1ede0ac9493_0_78:notes"/>
+          <p:cNvPr id="182" name="Google Shape;182;g1ede0ac9493_0_65:notes"/>
           <p:cNvSpPr/>
           <p:nvPr>
             <p:ph idx="2" type="sldImg"/>
@@ -1502,7 +1495,7 @@
       </p:sp>
       <p:sp>
         <p:nvSpPr>
-          <p:cNvPr id="183" name="Google Shape;183;g1ede0ac9493_0_78:notes"/>
+          <p:cNvPr id="183" name="Google Shape;183;g1ede0ac9493_0_65:notes"/>
           <p:cNvSpPr txBox="1"/>
           <p:nvPr>
             <p:ph idx="1" type="body"/>
@@ -1533,10 +1526,20 @@
               <a:buNone/>
             </a:pPr>
             <a:r>
-              <a:rPr lang="id"/>
-              <a:t>Proses analisis pada bagian ini hanya dilakukan untuk order yang dilakukan pada tahun 1997 saja.</a:t>
-            </a:r>
-            <a:endParaRPr/>
+              <a:t/>
+            </a:r>
+            <a:endParaRPr sz="1050">
+              <a:solidFill>
+                <a:schemeClr val="dk1"/>
+              </a:solidFill>
+              <a:highlight>
+                <a:schemeClr val="lt1"/>
+              </a:highlight>
+              <a:latin typeface="Courier New"/>
+              <a:ea typeface="Courier New"/>
+              <a:cs typeface="Courier New"/>
+              <a:sym typeface="Courier New"/>
+            </a:endParaRPr>
           </a:p>
         </p:txBody>
       </p:sp>
@@ -1553,7 +1556,7 @@
   <p:cSld>
     <p:spTree>
       <p:nvGrpSpPr>
-        <p:cNvPr id="186" name="Shape 186"/>
+        <p:cNvPr id="189" name="Shape 189"/>
         <p:cNvGrpSpPr/>
         <p:nvPr/>
       </p:nvGrpSpPr>
@@ -1567,7 +1570,7 @@
       </p:grpSpPr>
       <p:sp>
         <p:nvSpPr>
-          <p:cNvPr id="187" name="Google Shape;187;g1ede0ac9493_0_82:notes"/>
+          <p:cNvPr id="190" name="Google Shape;190;g1ede0ac9493_0_34:notes"/>
           <p:cNvSpPr/>
           <p:nvPr>
             <p:ph idx="2" type="sldImg"/>
@@ -1602,7 +1605,7 @@
       </p:sp>
       <p:sp>
         <p:nvSpPr>
-          <p:cNvPr id="188" name="Google Shape;188;g1ede0ac9493_0_82:notes"/>
+          <p:cNvPr id="191" name="Google Shape;191;g1ede0ac9493_0_34:notes"/>
           <p:cNvSpPr txBox="1"/>
           <p:nvPr>
             <p:ph idx="1" type="body"/>
@@ -1652,7 +1655,7 @@
   <p:cSld>
     <p:spTree>
       <p:nvGrpSpPr>
-        <p:cNvPr id="192" name="Shape 192"/>
+        <p:cNvPr id="195" name="Shape 195"/>
         <p:cNvGrpSpPr/>
         <p:nvPr/>
       </p:nvGrpSpPr>
@@ -1666,7 +1669,7 @@
       </p:grpSpPr>
       <p:sp>
         <p:nvSpPr>
-          <p:cNvPr id="193" name="Google Shape;193;g1ede0ac9493_0_87:notes"/>
+          <p:cNvPr id="196" name="Google Shape;196;g1ede0ac9493_0_78:notes"/>
           <p:cNvSpPr/>
           <p:nvPr>
             <p:ph idx="2" type="sldImg"/>
@@ -1701,7 +1704,7 @@
       </p:sp>
       <p:sp>
         <p:nvSpPr>
-          <p:cNvPr id="194" name="Google Shape;194;g1ede0ac9493_0_87:notes"/>
+          <p:cNvPr id="197" name="Google Shape;197;g1ede0ac9493_0_78:notes"/>
           <p:cNvSpPr txBox="1"/>
           <p:nvPr>
             <p:ph idx="1" type="body"/>
@@ -1732,7 +1735,8 @@
               <a:buNone/>
             </a:pPr>
             <a:r>
-              <a:t/>
+              <a:rPr lang="id"/>
+              <a:t>Proses analisis pada bagian ini hanya dilakukan untuk order yang dilakukan pada tahun 1997 saja.</a:t>
             </a:r>
             <a:endParaRPr/>
           </a:p>
@@ -1765,7 +1769,7 @@
       </p:grpSpPr>
       <p:sp>
         <p:nvSpPr>
-          <p:cNvPr id="201" name="Google Shape;201;g1ede0ac9493_0_94:notes"/>
+          <p:cNvPr id="201" name="Google Shape;201;g1ede0ac9493_0_82:notes"/>
           <p:cNvSpPr/>
           <p:nvPr>
             <p:ph idx="2" type="sldImg"/>
@@ -1800,7 +1804,7 @@
       </p:sp>
       <p:sp>
         <p:nvSpPr>
-          <p:cNvPr id="202" name="Google Shape;202;g1ede0ac9493_0_94:notes"/>
+          <p:cNvPr id="202" name="Google Shape;202;g1ede0ac9493_0_82:notes"/>
           <p:cNvSpPr txBox="1"/>
           <p:nvPr>
             <p:ph idx="1" type="body"/>
@@ -1828,96 +1832,12 @@
               <a:spcAft>
                 <a:spcPts val="0"/>
               </a:spcAft>
-              <a:buClr>
-                <a:schemeClr val="dk1"/>
-              </a:buClr>
-              <a:buSzPts val="1100"/>
-              <a:buFont typeface="Arial"/>
               <a:buNone/>
             </a:pPr>
             <a:r>
-              <a:rPr lang="id" sz="1050">
-                <a:solidFill>
-                  <a:schemeClr val="dk1"/>
-                </a:solidFill>
-                <a:highlight>
-                  <a:schemeClr val="lt1"/>
-                </a:highlight>
-                <a:latin typeface="Courier New"/>
-                <a:ea typeface="Courier New"/>
-                <a:cs typeface="Courier New"/>
-                <a:sym typeface="Courier New"/>
-              </a:rPr>
-              <a:t>Berdasarkan Pareto Rule dapat disimpulkan bahwa terdapat 14 perusahaan supplier yang </a:t>
-            </a:r>
-            <a:r>
-              <a:rPr b="1" lang="id" sz="1050">
-                <a:solidFill>
-                  <a:schemeClr val="dk1"/>
-                </a:solidFill>
-                <a:highlight>
-                  <a:schemeClr val="lt1"/>
-                </a:highlight>
-                <a:latin typeface="Courier New"/>
-                <a:ea typeface="Courier New"/>
-                <a:cs typeface="Courier New"/>
-                <a:sym typeface="Courier New"/>
-              </a:rPr>
-              <a:t>paling mempengaruhi keuntungan yang diterima stakeholder</a:t>
-            </a:r>
-            <a:r>
-              <a:rPr lang="id" sz="1050">
-                <a:solidFill>
-                  <a:schemeClr val="dk1"/>
-                </a:solidFill>
-                <a:highlight>
-                  <a:schemeClr val="lt1"/>
-                </a:highlight>
-                <a:latin typeface="Courier New"/>
-                <a:ea typeface="Courier New"/>
-                <a:cs typeface="Courier New"/>
-                <a:sym typeface="Courier New"/>
-              </a:rPr>
-              <a:t>.</a:t>
-            </a:r>
-            <a:endParaRPr sz="1050">
-              <a:solidFill>
-                <a:schemeClr val="dk1"/>
-              </a:solidFill>
-              <a:highlight>
-                <a:schemeClr val="lt1"/>
-              </a:highlight>
-              <a:latin typeface="Courier New"/>
-              <a:ea typeface="Courier New"/>
-              <a:cs typeface="Courier New"/>
-              <a:sym typeface="Courier New"/>
-            </a:endParaRPr>
-          </a:p>
-          <a:p>
-            <a:pPr indent="0" lvl="0" marL="0" rtl="0" algn="l">
-              <a:spcBef>
-                <a:spcPts val="0"/>
-              </a:spcBef>
-              <a:spcAft>
-                <a:spcPts val="0"/>
-              </a:spcAft>
-              <a:buNone/>
-            </a:pPr>
-            <a:r>
               <a:t/>
             </a:r>
-            <a:endParaRPr sz="1050">
-              <a:solidFill>
-                <a:schemeClr val="dk1"/>
-              </a:solidFill>
-              <a:highlight>
-                <a:schemeClr val="lt1"/>
-              </a:highlight>
-              <a:latin typeface="Courier New"/>
-              <a:ea typeface="Courier New"/>
-              <a:cs typeface="Courier New"/>
-              <a:sym typeface="Courier New"/>
-            </a:endParaRPr>
+            <a:endParaRPr/>
           </a:p>
         </p:txBody>
       </p:sp>
@@ -2033,7 +1953,7 @@
   <p:cSld>
     <p:spTree>
       <p:nvGrpSpPr>
-        <p:cNvPr id="207" name="Shape 207"/>
+        <p:cNvPr id="206" name="Shape 206"/>
         <p:cNvGrpSpPr/>
         <p:nvPr/>
       </p:nvGrpSpPr>
@@ -2047,7 +1967,7 @@
       </p:grpSpPr>
       <p:sp>
         <p:nvSpPr>
-          <p:cNvPr id="208" name="Google Shape;208;g1ede0ac9493_0_101:notes"/>
+          <p:cNvPr id="207" name="Google Shape;207;g1ede0ac9493_0_87:notes"/>
           <p:cNvSpPr/>
           <p:nvPr>
             <p:ph idx="2" type="sldImg"/>
@@ -2082,7 +2002,7 @@
       </p:sp>
       <p:sp>
         <p:nvSpPr>
-          <p:cNvPr id="209" name="Google Shape;209;g1ede0ac9493_0_101:notes"/>
+          <p:cNvPr id="208" name="Google Shape;208;g1ede0ac9493_0_87:notes"/>
           <p:cNvSpPr txBox="1"/>
           <p:nvPr>
             <p:ph idx="1" type="body"/>
@@ -2110,6 +2030,209 @@
               <a:spcAft>
                 <a:spcPts val="0"/>
               </a:spcAft>
+              <a:buNone/>
+            </a:pPr>
+            <a:r>
+              <a:t/>
+            </a:r>
+            <a:endParaRPr/>
+          </a:p>
+        </p:txBody>
+      </p:sp>
+    </p:spTree>
+  </p:cSld>
+  <p:clrMapOvr>
+    <a:masterClrMapping/>
+  </p:clrMapOvr>
+</p:notes>
+</file>
+
+<file path=ppt/notesSlides/notesSlide21.xml><?xml version="1.0" encoding="utf-8"?>
+<p:notes xmlns:a="http://schemas.openxmlformats.org/drawingml/2006/main" xmlns:r="http://schemas.openxmlformats.org/officeDocument/2006/relationships" xmlns:mc="http://schemas.openxmlformats.org/markup-compatibility/2006" xmlns:mv="urn:schemas-microsoft-com:mac:vml" xmlns:p="http://schemas.openxmlformats.org/presentationml/2006/main" xmlns:c="http://schemas.openxmlformats.org/drawingml/2006/chart" xmlns:dgm="http://schemas.openxmlformats.org/drawingml/2006/diagram" xmlns:o="urn:schemas-microsoft-com:office:office" xmlns:v="urn:schemas-microsoft-com:vml" xmlns:pvml="urn:schemas-microsoft-com:office:powerpoint" xmlns:com="http://schemas.openxmlformats.org/drawingml/2006/compatibility" xmlns:p14="http://schemas.microsoft.com/office/powerpoint/2010/main" xmlns:p15="http://schemas.microsoft.com/office/powerpoint/2012/main" xmlns:ahyp="http://schemas.microsoft.com/office/drawing/2018/hyperlinkcolor" showMasterPhAnim="0" showMasterSp="0">
+  <p:cSld>
+    <p:spTree>
+      <p:nvGrpSpPr>
+        <p:cNvPr id="213" name="Shape 213"/>
+        <p:cNvGrpSpPr/>
+        <p:nvPr/>
+      </p:nvGrpSpPr>
+      <p:grpSpPr>
+        <a:xfrm>
+          <a:off x="0" y="0"/>
+          <a:ext cx="0" cy="0"/>
+          <a:chOff x="0" y="0"/>
+          <a:chExt cx="0" cy="0"/>
+        </a:xfrm>
+      </p:grpSpPr>
+      <p:sp>
+        <p:nvSpPr>
+          <p:cNvPr id="214" name="Google Shape;214;g1eddb43c509_0_0:notes"/>
+          <p:cNvSpPr/>
+          <p:nvPr>
+            <p:ph idx="2" type="sldImg"/>
+          </p:nvPr>
+        </p:nvSpPr>
+        <p:spPr>
+          <a:xfrm>
+            <a:off x="381300" y="685800"/>
+            <a:ext cx="6096000" cy="3429000"/>
+          </a:xfrm>
+          <a:custGeom>
+            <a:rect b="b" l="l" r="r" t="t"/>
+            <a:pathLst>
+              <a:path extrusionOk="0" h="120000" w="120000">
+                <a:moveTo>
+                  <a:pt x="0" y="0"/>
+                </a:moveTo>
+                <a:lnTo>
+                  <a:pt x="120000" y="0"/>
+                </a:lnTo>
+                <a:lnTo>
+                  <a:pt x="120000" y="120000"/>
+                </a:lnTo>
+                <a:lnTo>
+                  <a:pt x="0" y="120000"/>
+                </a:lnTo>
+                <a:close/>
+              </a:path>
+            </a:pathLst>
+          </a:custGeom>
+        </p:spPr>
+      </p:sp>
+      <p:sp>
+        <p:nvSpPr>
+          <p:cNvPr id="215" name="Google Shape;215;g1eddb43c509_0_0:notes"/>
+          <p:cNvSpPr txBox="1"/>
+          <p:nvPr>
+            <p:ph idx="1" type="body"/>
+          </p:nvPr>
+        </p:nvSpPr>
+        <p:spPr>
+          <a:xfrm>
+            <a:off x="685800" y="4343400"/>
+            <a:ext cx="5486400" cy="4114800"/>
+          </a:xfrm>
+          <a:prstGeom prst="rect">
+            <a:avLst/>
+          </a:prstGeom>
+        </p:spPr>
+        <p:txBody>
+          <a:bodyPr anchorCtr="0" anchor="t" bIns="91425" lIns="91425" spcFirstLastPara="1" rIns="91425" wrap="square" tIns="91425">
+            <a:noAutofit/>
+          </a:bodyPr>
+          <a:lstStyle/>
+          <a:p>
+            <a:pPr indent="0" lvl="0" marL="0" rtl="0" algn="l">
+              <a:spcBef>
+                <a:spcPts val="0"/>
+              </a:spcBef>
+              <a:spcAft>
+                <a:spcPts val="0"/>
+              </a:spcAft>
+              <a:buNone/>
+            </a:pPr>
+            <a:r>
+              <a:t/>
+            </a:r>
+            <a:endParaRPr/>
+          </a:p>
+        </p:txBody>
+      </p:sp>
+    </p:spTree>
+  </p:cSld>
+  <p:clrMapOvr>
+    <a:masterClrMapping/>
+  </p:clrMapOvr>
+</p:notes>
+</file>
+
+<file path=ppt/notesSlides/notesSlide22.xml><?xml version="1.0" encoding="utf-8"?>
+<p:notes xmlns:a="http://schemas.openxmlformats.org/drawingml/2006/main" xmlns:r="http://schemas.openxmlformats.org/officeDocument/2006/relationships" xmlns:mc="http://schemas.openxmlformats.org/markup-compatibility/2006" xmlns:mv="urn:schemas-microsoft-com:mac:vml" xmlns:p="http://schemas.openxmlformats.org/presentationml/2006/main" xmlns:c="http://schemas.openxmlformats.org/drawingml/2006/chart" xmlns:dgm="http://schemas.openxmlformats.org/drawingml/2006/diagram" xmlns:o="urn:schemas-microsoft-com:office:office" xmlns:v="urn:schemas-microsoft-com:vml" xmlns:pvml="urn:schemas-microsoft-com:office:powerpoint" xmlns:com="http://schemas.openxmlformats.org/drawingml/2006/compatibility" xmlns:p14="http://schemas.microsoft.com/office/powerpoint/2010/main" xmlns:p15="http://schemas.microsoft.com/office/powerpoint/2012/main" xmlns:ahyp="http://schemas.microsoft.com/office/drawing/2018/hyperlinkcolor" showMasterPhAnim="0" showMasterSp="0">
+  <p:cSld>
+    <p:spTree>
+      <p:nvGrpSpPr>
+        <p:cNvPr id="221" name="Shape 221"/>
+        <p:cNvGrpSpPr/>
+        <p:nvPr/>
+      </p:nvGrpSpPr>
+      <p:grpSpPr>
+        <a:xfrm>
+          <a:off x="0" y="0"/>
+          <a:ext cx="0" cy="0"/>
+          <a:chOff x="0" y="0"/>
+          <a:chExt cx="0" cy="0"/>
+        </a:xfrm>
+      </p:grpSpPr>
+      <p:sp>
+        <p:nvSpPr>
+          <p:cNvPr id="222" name="Google Shape;222;g1ede0ac9493_0_94:notes"/>
+          <p:cNvSpPr/>
+          <p:nvPr>
+            <p:ph idx="2" type="sldImg"/>
+          </p:nvPr>
+        </p:nvSpPr>
+        <p:spPr>
+          <a:xfrm>
+            <a:off x="381300" y="685800"/>
+            <a:ext cx="6096000" cy="3429000"/>
+          </a:xfrm>
+          <a:custGeom>
+            <a:rect b="b" l="l" r="r" t="t"/>
+            <a:pathLst>
+              <a:path extrusionOk="0" h="120000" w="120000">
+                <a:moveTo>
+                  <a:pt x="0" y="0"/>
+                </a:moveTo>
+                <a:lnTo>
+                  <a:pt x="120000" y="0"/>
+                </a:lnTo>
+                <a:lnTo>
+                  <a:pt x="120000" y="120000"/>
+                </a:lnTo>
+                <a:lnTo>
+                  <a:pt x="0" y="120000"/>
+                </a:lnTo>
+                <a:close/>
+              </a:path>
+            </a:pathLst>
+          </a:custGeom>
+        </p:spPr>
+      </p:sp>
+      <p:sp>
+        <p:nvSpPr>
+          <p:cNvPr id="223" name="Google Shape;223;g1ede0ac9493_0_94:notes"/>
+          <p:cNvSpPr txBox="1"/>
+          <p:nvPr>
+            <p:ph idx="1" type="body"/>
+          </p:nvPr>
+        </p:nvSpPr>
+        <p:spPr>
+          <a:xfrm>
+            <a:off x="685800" y="4343400"/>
+            <a:ext cx="5486400" cy="4114800"/>
+          </a:xfrm>
+          <a:prstGeom prst="rect">
+            <a:avLst/>
+          </a:prstGeom>
+        </p:spPr>
+        <p:txBody>
+          <a:bodyPr anchorCtr="0" anchor="t" bIns="91425" lIns="91425" spcFirstLastPara="1" rIns="91425" wrap="square" tIns="91425">
+            <a:noAutofit/>
+          </a:bodyPr>
+          <a:lstStyle/>
+          <a:p>
+            <a:pPr indent="0" lvl="0" marL="0" rtl="0" algn="l">
+              <a:spcBef>
+                <a:spcPts val="0"/>
+              </a:spcBef>
+              <a:spcAft>
+                <a:spcPts val="0"/>
+              </a:spcAft>
+              <a:buClr>
+                <a:schemeClr val="dk1"/>
+              </a:buClr>
+              <a:buSzPts val="1100"/>
+              <a:buFont typeface="Arial"/>
               <a:buNone/>
             </a:pPr>
             <a:r>
@@ -2125,7 +2248,63 @@
                 <a:cs typeface="Courier New"/>
                 <a:sym typeface="Courier New"/>
               </a:rPr>
-              <a:t>Berikut ke-14 perusahaan itu</a:t>
+              <a:t>Berdasarkan Pareto Rule dapat disimpulkan bahwa terdapat 14 perusahaan supplier yang </a:t>
+            </a:r>
+            <a:r>
+              <a:rPr b="1" lang="id" sz="1050">
+                <a:solidFill>
+                  <a:schemeClr val="dk1"/>
+                </a:solidFill>
+                <a:highlight>
+                  <a:schemeClr val="lt1"/>
+                </a:highlight>
+                <a:latin typeface="Courier New"/>
+                <a:ea typeface="Courier New"/>
+                <a:cs typeface="Courier New"/>
+                <a:sym typeface="Courier New"/>
+              </a:rPr>
+              <a:t>paling mempengaruhi keuntungan yang diterima stakeholder</a:t>
+            </a:r>
+            <a:r>
+              <a:rPr lang="id" sz="1050">
+                <a:solidFill>
+                  <a:schemeClr val="dk1"/>
+                </a:solidFill>
+                <a:highlight>
+                  <a:schemeClr val="lt1"/>
+                </a:highlight>
+                <a:latin typeface="Courier New"/>
+                <a:ea typeface="Courier New"/>
+                <a:cs typeface="Courier New"/>
+                <a:sym typeface="Courier New"/>
+              </a:rPr>
+              <a:t>.</a:t>
+            </a:r>
+            <a:endParaRPr sz="1050">
+              <a:solidFill>
+                <a:schemeClr val="dk1"/>
+              </a:solidFill>
+              <a:highlight>
+                <a:schemeClr val="lt1"/>
+              </a:highlight>
+              <a:latin typeface="Courier New"/>
+              <a:ea typeface="Courier New"/>
+              <a:cs typeface="Courier New"/>
+              <a:sym typeface="Courier New"/>
+            </a:endParaRPr>
+          </a:p>
+          <a:p>
+            <a:pPr indent="0" lvl="0" marL="0" rtl="0" algn="l">
+              <a:spcBef>
+                <a:spcPts val="0"/>
+              </a:spcBef>
+              <a:spcAft>
+                <a:spcPts val="0"/>
+              </a:spcAft>
+              <a:buNone/>
+            </a:pPr>
+            <a:r>
+              <a:t/>
             </a:r>
             <a:endParaRPr sz="1050">
               <a:solidFill>
@@ -2150,12 +2329,12 @@
 </p:notes>
 </file>
 
-<file path=ppt/notesSlides/notesSlide21.xml><?xml version="1.0" encoding="utf-8"?>
+<file path=ppt/notesSlides/notesSlide23.xml><?xml version="1.0" encoding="utf-8"?>
 <p:notes xmlns:a="http://schemas.openxmlformats.org/drawingml/2006/main" xmlns:r="http://schemas.openxmlformats.org/officeDocument/2006/relationships" xmlns:mc="http://schemas.openxmlformats.org/markup-compatibility/2006" xmlns:mv="urn:schemas-microsoft-com:mac:vml" xmlns:p="http://schemas.openxmlformats.org/presentationml/2006/main" xmlns:c="http://schemas.openxmlformats.org/drawingml/2006/chart" xmlns:dgm="http://schemas.openxmlformats.org/drawingml/2006/diagram" xmlns:o="urn:schemas-microsoft-com:office:office" xmlns:v="urn:schemas-microsoft-com:vml" xmlns:pvml="urn:schemas-microsoft-com:office:powerpoint" xmlns:com="http://schemas.openxmlformats.org/drawingml/2006/compatibility" xmlns:p14="http://schemas.microsoft.com/office/powerpoint/2010/main" xmlns:p15="http://schemas.microsoft.com/office/powerpoint/2012/main" xmlns:ahyp="http://schemas.microsoft.com/office/drawing/2018/hyperlinkcolor" showMasterPhAnim="0" showMasterSp="0">
   <p:cSld>
     <p:spTree>
       <p:nvGrpSpPr>
-        <p:cNvPr id="214" name="Shape 214"/>
+        <p:cNvPr id="228" name="Shape 228"/>
         <p:cNvGrpSpPr/>
         <p:nvPr/>
       </p:nvGrpSpPr>
@@ -2169,7 +2348,7 @@
       </p:grpSpPr>
       <p:sp>
         <p:nvSpPr>
-          <p:cNvPr id="215" name="Google Shape;215;g1ede0ac9493_0_115:notes"/>
+          <p:cNvPr id="229" name="Google Shape;229;g1ede0ac9493_0_101:notes"/>
           <p:cNvSpPr/>
           <p:nvPr>
             <p:ph idx="2" type="sldImg"/>
@@ -2204,7 +2383,129 @@
       </p:sp>
       <p:sp>
         <p:nvSpPr>
-          <p:cNvPr id="216" name="Google Shape;216;g1ede0ac9493_0_115:notes"/>
+          <p:cNvPr id="230" name="Google Shape;230;g1ede0ac9493_0_101:notes"/>
+          <p:cNvSpPr txBox="1"/>
+          <p:nvPr>
+            <p:ph idx="1" type="body"/>
+          </p:nvPr>
+        </p:nvSpPr>
+        <p:spPr>
+          <a:xfrm>
+            <a:off x="685800" y="4343400"/>
+            <a:ext cx="5486400" cy="4114800"/>
+          </a:xfrm>
+          <a:prstGeom prst="rect">
+            <a:avLst/>
+          </a:prstGeom>
+        </p:spPr>
+        <p:txBody>
+          <a:bodyPr anchorCtr="0" anchor="t" bIns="91425" lIns="91425" spcFirstLastPara="1" rIns="91425" wrap="square" tIns="91425">
+            <a:noAutofit/>
+          </a:bodyPr>
+          <a:lstStyle/>
+          <a:p>
+            <a:pPr indent="0" lvl="0" marL="0" rtl="0" algn="l">
+              <a:spcBef>
+                <a:spcPts val="0"/>
+              </a:spcBef>
+              <a:spcAft>
+                <a:spcPts val="0"/>
+              </a:spcAft>
+              <a:buNone/>
+            </a:pPr>
+            <a:r>
+              <a:rPr lang="id" sz="1050">
+                <a:solidFill>
+                  <a:schemeClr val="dk1"/>
+                </a:solidFill>
+                <a:highlight>
+                  <a:schemeClr val="lt1"/>
+                </a:highlight>
+                <a:latin typeface="Courier New"/>
+                <a:ea typeface="Courier New"/>
+                <a:cs typeface="Courier New"/>
+                <a:sym typeface="Courier New"/>
+              </a:rPr>
+              <a:t>Berikut ke-14 perusahaan itu</a:t>
+            </a:r>
+            <a:endParaRPr sz="1050">
+              <a:solidFill>
+                <a:schemeClr val="dk1"/>
+              </a:solidFill>
+              <a:highlight>
+                <a:schemeClr val="lt1"/>
+              </a:highlight>
+              <a:latin typeface="Courier New"/>
+              <a:ea typeface="Courier New"/>
+              <a:cs typeface="Courier New"/>
+              <a:sym typeface="Courier New"/>
+            </a:endParaRPr>
+          </a:p>
+        </p:txBody>
+      </p:sp>
+    </p:spTree>
+  </p:cSld>
+  <p:clrMapOvr>
+    <a:masterClrMapping/>
+  </p:clrMapOvr>
+</p:notes>
+</file>
+
+<file path=ppt/notesSlides/notesSlide24.xml><?xml version="1.0" encoding="utf-8"?>
+<p:notes xmlns:a="http://schemas.openxmlformats.org/drawingml/2006/main" xmlns:r="http://schemas.openxmlformats.org/officeDocument/2006/relationships" xmlns:mc="http://schemas.openxmlformats.org/markup-compatibility/2006" xmlns:mv="urn:schemas-microsoft-com:mac:vml" xmlns:p="http://schemas.openxmlformats.org/presentationml/2006/main" xmlns:c="http://schemas.openxmlformats.org/drawingml/2006/chart" xmlns:dgm="http://schemas.openxmlformats.org/drawingml/2006/diagram" xmlns:o="urn:schemas-microsoft-com:office:office" xmlns:v="urn:schemas-microsoft-com:vml" xmlns:pvml="urn:schemas-microsoft-com:office:powerpoint" xmlns:com="http://schemas.openxmlformats.org/drawingml/2006/compatibility" xmlns:p14="http://schemas.microsoft.com/office/powerpoint/2010/main" xmlns:p15="http://schemas.microsoft.com/office/powerpoint/2012/main" xmlns:ahyp="http://schemas.microsoft.com/office/drawing/2018/hyperlinkcolor" showMasterPhAnim="0" showMasterSp="0">
+  <p:cSld>
+    <p:spTree>
+      <p:nvGrpSpPr>
+        <p:cNvPr id="235" name="Shape 235"/>
+        <p:cNvGrpSpPr/>
+        <p:nvPr/>
+      </p:nvGrpSpPr>
+      <p:grpSpPr>
+        <a:xfrm>
+          <a:off x="0" y="0"/>
+          <a:ext cx="0" cy="0"/>
+          <a:chOff x="0" y="0"/>
+          <a:chExt cx="0" cy="0"/>
+        </a:xfrm>
+      </p:grpSpPr>
+      <p:sp>
+        <p:nvSpPr>
+          <p:cNvPr id="236" name="Google Shape;236;g1ede0ac9493_0_115:notes"/>
+          <p:cNvSpPr/>
+          <p:nvPr>
+            <p:ph idx="2" type="sldImg"/>
+          </p:nvPr>
+        </p:nvSpPr>
+        <p:spPr>
+          <a:xfrm>
+            <a:off x="381300" y="685800"/>
+            <a:ext cx="6096000" cy="3429000"/>
+          </a:xfrm>
+          <a:custGeom>
+            <a:rect b="b" l="l" r="r" t="t"/>
+            <a:pathLst>
+              <a:path extrusionOk="0" h="120000" w="120000">
+                <a:moveTo>
+                  <a:pt x="0" y="0"/>
+                </a:moveTo>
+                <a:lnTo>
+                  <a:pt x="120000" y="0"/>
+                </a:lnTo>
+                <a:lnTo>
+                  <a:pt x="120000" y="120000"/>
+                </a:lnTo>
+                <a:lnTo>
+                  <a:pt x="0" y="120000"/>
+                </a:lnTo>
+                <a:close/>
+              </a:path>
+            </a:pathLst>
+          </a:custGeom>
+        </p:spPr>
+      </p:sp>
+      <p:sp>
+        <p:nvSpPr>
+          <p:cNvPr id="237" name="Google Shape;237;g1ede0ac9493_0_115:notes"/>
           <p:cNvSpPr txBox="1"/>
           <p:nvPr>
             <p:ph idx="1" type="body"/>
@@ -2551,7 +2852,7 @@
   <p:cSld>
     <p:spTree>
       <p:nvGrpSpPr>
-        <p:cNvPr id="113" name="Shape 113"/>
+        <p:cNvPr id="112" name="Shape 112"/>
         <p:cNvGrpSpPr/>
         <p:nvPr/>
       </p:nvGrpSpPr>
@@ -2565,7 +2866,7 @@
       </p:grpSpPr>
       <p:sp>
         <p:nvSpPr>
-          <p:cNvPr id="114" name="Google Shape;114;g20177b4b428_0_15:notes"/>
+          <p:cNvPr id="113" name="Google Shape;113;g1eddb43c509_0_7:notes"/>
           <p:cNvSpPr/>
           <p:nvPr>
             <p:ph idx="2" type="sldImg"/>
@@ -2600,7 +2901,7 @@
       </p:sp>
       <p:sp>
         <p:nvSpPr>
-          <p:cNvPr id="115" name="Google Shape;115;g20177b4b428_0_15:notes"/>
+          <p:cNvPr id="114" name="Google Shape;114;g1eddb43c509_0_7:notes"/>
           <p:cNvSpPr txBox="1"/>
           <p:nvPr>
             <p:ph idx="1" type="body"/>
@@ -2631,62 +2932,9 @@
               <a:buNone/>
             </a:pPr>
             <a:r>
-              <a:rPr lang="id" sz="1050">
-                <a:solidFill>
-                  <a:schemeClr val="dk1"/>
-                </a:solidFill>
-                <a:highlight>
-                  <a:schemeClr val="lt1"/>
-                </a:highlight>
-                <a:latin typeface="Courier New"/>
-                <a:ea typeface="Courier New"/>
-                <a:cs typeface="Courier New"/>
-                <a:sym typeface="Courier New"/>
-              </a:rPr>
-              <a:t>Berdasarkan Pareto Rule dapat disimpulkan bahwa terdapat 2 kategori produk yang </a:t>
-            </a:r>
-            <a:r>
-              <a:rPr b="1" lang="id" sz="1050">
-                <a:solidFill>
-                  <a:schemeClr val="dk1"/>
-                </a:solidFill>
-                <a:highlight>
-                  <a:schemeClr val="lt1"/>
-                </a:highlight>
-                <a:latin typeface="Courier New"/>
-                <a:ea typeface="Courier New"/>
-                <a:cs typeface="Courier New"/>
-                <a:sym typeface="Courier New"/>
-              </a:rPr>
-              <a:t>paling mempengaruhi keuntungan yang diterima stakeholder</a:t>
-            </a:r>
-            <a:r>
-              <a:rPr lang="id" sz="1050">
-                <a:solidFill>
-                  <a:schemeClr val="dk1"/>
-                </a:solidFill>
-                <a:highlight>
-                  <a:schemeClr val="lt1"/>
-                </a:highlight>
-                <a:latin typeface="Courier New"/>
-                <a:ea typeface="Courier New"/>
-                <a:cs typeface="Courier New"/>
-                <a:sym typeface="Courier New"/>
-              </a:rPr>
-              <a:t> yaitu kategori Beverages dan Dairy Products. Stakeholder bisa fokus kepada kategori ini jika ingin meningkatkan keuntungan.</a:t>
-            </a:r>
-            <a:endParaRPr sz="1050">
-              <a:solidFill>
-                <a:schemeClr val="dk1"/>
-              </a:solidFill>
-              <a:highlight>
-                <a:schemeClr val="lt1"/>
-              </a:highlight>
-              <a:latin typeface="Courier New"/>
-              <a:ea typeface="Courier New"/>
-              <a:cs typeface="Courier New"/>
-              <a:sym typeface="Courier New"/>
-            </a:endParaRPr>
+              <a:t/>
+            </a:r>
+            <a:endParaRPr/>
           </a:p>
         </p:txBody>
       </p:sp>
@@ -2717,7 +2965,7 @@
       </p:grpSpPr>
       <p:sp>
         <p:nvSpPr>
-          <p:cNvPr id="121" name="Google Shape;121;g20177b4b428_0_20:notes"/>
+          <p:cNvPr id="121" name="Google Shape;121;g20177b4b428_0_15:notes"/>
           <p:cNvSpPr/>
           <p:nvPr>
             <p:ph idx="2" type="sldImg"/>
@@ -2752,7 +3000,7 @@
       </p:sp>
       <p:sp>
         <p:nvSpPr>
-          <p:cNvPr id="122" name="Google Shape;122;g20177b4b428_0_20:notes"/>
+          <p:cNvPr id="122" name="Google Shape;122;g20177b4b428_0_15:notes"/>
           <p:cNvSpPr txBox="1"/>
           <p:nvPr>
             <p:ph idx="1" type="body"/>
@@ -2783,18 +3031,62 @@
               <a:buNone/>
             </a:pPr>
             <a:r>
-              <a:rPr lang="id"/>
-              <a:t>Sedangkan untuk kategori produk yang </a:t>
-            </a:r>
-            <a:r>
-              <a:rPr b="1" lang="id"/>
-              <a:t>mempengaruhi banyaknya transaksi yang terjadi cukup bervariasi</a:t>
-            </a:r>
-            <a:r>
-              <a:rPr lang="id"/>
-              <a:t> yaitu kategori Beverages, Dairy Products, Confections, Seafood, Condiments dan Grains/Cereal. Stakeholder bisa fokus kepada kategori ini jika ingin meningkatkan banyaknya customer melakukan transaksi melalui perusahaan stakeholder.</a:t>
-            </a:r>
-            <a:endParaRPr/>
+              <a:rPr lang="id" sz="1050">
+                <a:solidFill>
+                  <a:schemeClr val="dk1"/>
+                </a:solidFill>
+                <a:highlight>
+                  <a:schemeClr val="lt1"/>
+                </a:highlight>
+                <a:latin typeface="Courier New"/>
+                <a:ea typeface="Courier New"/>
+                <a:cs typeface="Courier New"/>
+                <a:sym typeface="Courier New"/>
+              </a:rPr>
+              <a:t>Berdasarkan Pareto Rule dapat disimpulkan bahwa terdapat 2 kategori produk yang </a:t>
+            </a:r>
+            <a:r>
+              <a:rPr b="1" lang="id" sz="1050">
+                <a:solidFill>
+                  <a:schemeClr val="dk1"/>
+                </a:solidFill>
+                <a:highlight>
+                  <a:schemeClr val="lt1"/>
+                </a:highlight>
+                <a:latin typeface="Courier New"/>
+                <a:ea typeface="Courier New"/>
+                <a:cs typeface="Courier New"/>
+                <a:sym typeface="Courier New"/>
+              </a:rPr>
+              <a:t>paling mempengaruhi keuntungan yang diterima stakeholder</a:t>
+            </a:r>
+            <a:r>
+              <a:rPr lang="id" sz="1050">
+                <a:solidFill>
+                  <a:schemeClr val="dk1"/>
+                </a:solidFill>
+                <a:highlight>
+                  <a:schemeClr val="lt1"/>
+                </a:highlight>
+                <a:latin typeface="Courier New"/>
+                <a:ea typeface="Courier New"/>
+                <a:cs typeface="Courier New"/>
+                <a:sym typeface="Courier New"/>
+              </a:rPr>
+              <a:t> yaitu kategori Beverages dan Dairy Products. Stakeholder bisa fokus kepada kategori ini jika ingin meningkatkan keuntungan.</a:t>
+            </a:r>
+            <a:endParaRPr sz="1050">
+              <a:solidFill>
+                <a:schemeClr val="dk1"/>
+              </a:solidFill>
+              <a:highlight>
+                <a:schemeClr val="lt1"/>
+              </a:highlight>
+              <a:latin typeface="Courier New"/>
+              <a:ea typeface="Courier New"/>
+              <a:cs typeface="Courier New"/>
+              <a:sym typeface="Courier New"/>
+            </a:endParaRPr>
           </a:p>
         </p:txBody>
       </p:sp>
@@ -2825,7 +3117,7 @@
       </p:grpSpPr>
       <p:sp>
         <p:nvSpPr>
-          <p:cNvPr id="128" name="Google Shape;128;g20177b4b428_0_25:notes"/>
+          <p:cNvPr id="128" name="Google Shape;128;g20177b4b428_0_20:notes"/>
           <p:cNvSpPr/>
           <p:nvPr>
             <p:ph idx="2" type="sldImg"/>
@@ -2860,7 +3152,7 @@
       </p:sp>
       <p:sp>
         <p:nvSpPr>
-          <p:cNvPr id="129" name="Google Shape;129;g20177b4b428_0_25:notes"/>
+          <p:cNvPr id="129" name="Google Shape;129;g20177b4b428_0_20:notes"/>
           <p:cNvSpPr txBox="1"/>
           <p:nvPr>
             <p:ph idx="1" type="body"/>
@@ -2891,7 +3183,16 @@
               <a:buNone/>
             </a:pPr>
             <a:r>
-              <a:t/>
+              <a:rPr lang="id"/>
+              <a:t>Sedangkan untuk kategori produk yang </a:t>
+            </a:r>
+            <a:r>
+              <a:rPr b="1" lang="id"/>
+              <a:t>mempengaruhi banyaknya transaksi yang terjadi cukup bervariasi</a:t>
+            </a:r>
+            <a:r>
+              <a:rPr lang="id"/>
+              <a:t> yaitu kategori Beverages, Dairy Products, Confections, Seafood, Condiments dan Grains/Cereal. Stakeholder bisa fokus kepada kategori ini jika ingin meningkatkan banyaknya customer melakukan transaksi melalui perusahaan stakeholder.</a:t>
             </a:r>
             <a:endParaRPr/>
           </a:p>
@@ -2910,7 +3211,7 @@
   <p:cSld>
     <p:spTree>
       <p:nvGrpSpPr>
-        <p:cNvPr id="133" name="Shape 133"/>
+        <p:cNvPr id="134" name="Shape 134"/>
         <p:cNvGrpSpPr/>
         <p:nvPr/>
       </p:nvGrpSpPr>
@@ -2924,7 +3225,7 @@
       </p:grpSpPr>
       <p:sp>
         <p:nvSpPr>
-          <p:cNvPr id="134" name="Google Shape;134;g1ede0ac9493_0_39:notes"/>
+          <p:cNvPr id="135" name="Google Shape;135;g20177b4b428_0_25:notes"/>
           <p:cNvSpPr/>
           <p:nvPr>
             <p:ph idx="2" type="sldImg"/>
@@ -2959,7 +3260,7 @@
       </p:sp>
       <p:sp>
         <p:nvSpPr>
-          <p:cNvPr id="135" name="Google Shape;135;g1ede0ac9493_0_39:notes"/>
+          <p:cNvPr id="136" name="Google Shape;136;g20177b4b428_0_25:notes"/>
           <p:cNvSpPr txBox="1"/>
           <p:nvPr>
             <p:ph idx="1" type="body"/>
@@ -2990,8 +3291,7 @@
               <a:buNone/>
             </a:pPr>
             <a:r>
-              <a:rPr lang="id"/>
-              <a:t>Proses analisis pada bagian ini hanya dilakukan untuk order yang dilakukan pada tahun 1997 saja.</a:t>
+              <a:t/>
             </a:r>
             <a:endParaRPr/>
           </a:p>
@@ -9418,7 +9718,7 @@
   <p:cSld>
     <p:spTree>
       <p:nvGrpSpPr>
-        <p:cNvPr id="141" name="Shape 141"/>
+        <p:cNvPr id="143" name="Shape 143"/>
         <p:cNvGrpSpPr/>
         <p:nvPr/>
       </p:nvGrpSpPr>
@@ -9432,47 +9732,7 @@
       </p:grpSpPr>
       <p:sp>
         <p:nvSpPr>
-          <p:cNvPr id="142" name="Google Shape;142;p22"/>
-          <p:cNvSpPr txBox="1"/>
-          <p:nvPr>
-            <p:ph type="title"/>
-          </p:nvPr>
-        </p:nvSpPr>
-        <p:spPr>
-          <a:xfrm>
-            <a:off x="729450" y="1318650"/>
-            <a:ext cx="7688700" cy="535200"/>
-          </a:xfrm>
-          <a:prstGeom prst="rect">
-            <a:avLst/>
-          </a:prstGeom>
-        </p:spPr>
-        <p:txBody>
-          <a:bodyPr anchorCtr="0" anchor="t" bIns="91425" lIns="91425" spcFirstLastPara="1" rIns="91425" wrap="square" tIns="91425">
-            <a:normAutofit fontScale="90000"/>
-          </a:bodyPr>
-          <a:lstStyle/>
-          <a:p>
-            <a:pPr indent="0" lvl="0" marL="0" rtl="0" algn="l">
-              <a:spcBef>
-                <a:spcPts val="0"/>
-              </a:spcBef>
-              <a:spcAft>
-                <a:spcPts val="0"/>
-              </a:spcAft>
-              <a:buNone/>
-            </a:pPr>
-            <a:r>
-              <a:rPr lang="id"/>
-              <a:t>RFM Analysis</a:t>
-            </a:r>
-            <a:endParaRPr/>
-          </a:p>
-        </p:txBody>
-      </p:sp>
-      <p:sp>
-        <p:nvSpPr>
-          <p:cNvPr id="143" name="Google Shape;143;p22"/>
+          <p:cNvPr id="144" name="Google Shape;144;p22"/>
           <p:cNvSpPr txBox="1"/>
           <p:nvPr>
             <p:ph idx="1" type="body"/>
@@ -9480,117 +9740,33 @@
         </p:nvSpPr>
         <p:spPr>
           <a:xfrm>
-            <a:off x="729450" y="2078875"/>
-            <a:ext cx="7688700" cy="2261100"/>
+            <a:off x="311700" y="460125"/>
+            <a:ext cx="8520600" cy="4108800"/>
           </a:xfrm>
           <a:prstGeom prst="rect">
             <a:avLst/>
           </a:prstGeom>
         </p:spPr>
         <p:txBody>
-          <a:bodyPr anchorCtr="0" anchor="t" bIns="91425" lIns="91425" spcFirstLastPara="1" rIns="91425" wrap="square" tIns="91425">
-            <a:normAutofit lnSpcReduction="20000"/>
+          <a:bodyPr anchorCtr="0" anchor="ctr" bIns="91425" lIns="91425" spcFirstLastPara="1" rIns="91425" wrap="square" tIns="91425">
+            <a:normAutofit/>
           </a:bodyPr>
           <a:lstStyle/>
           <a:p>
-            <a:pPr indent="0" lvl="0" marL="0" rtl="0" algn="l">
-              <a:spcBef>
-                <a:spcPts val="0"/>
-              </a:spcBef>
-              <a:spcAft>
-                <a:spcPts val="0"/>
+            <a:pPr indent="0" lvl="0" marL="0" rtl="0" algn="ctr">
+              <a:spcBef>
+                <a:spcPts val="0"/>
+              </a:spcBef>
+              <a:spcAft>
+                <a:spcPts val="1200"/>
               </a:spcAft>
               <a:buNone/>
             </a:pPr>
             <a:r>
-              <a:rPr lang="id"/>
-              <a:t>Background</a:t>
-            </a:r>
-            <a:endParaRPr/>
-          </a:p>
-          <a:p>
-            <a:pPr indent="-311150" lvl="0" marL="457200" rtl="0" algn="l">
-              <a:spcBef>
-                <a:spcPts val="1200"/>
-              </a:spcBef>
-              <a:spcAft>
-                <a:spcPts val="0"/>
-              </a:spcAft>
-              <a:buSzPts val="1300"/>
-              <a:buChar char="●"/>
-            </a:pPr>
-            <a:r>
-              <a:rPr lang="id"/>
-              <a:t>Biaya yang dibutuhkan untuk mengakuisisi customer baru mahal</a:t>
-            </a:r>
-            <a:endParaRPr/>
-          </a:p>
-          <a:p>
-            <a:pPr indent="-311150" lvl="0" marL="457200" rtl="0" algn="l">
-              <a:spcBef>
-                <a:spcPts val="0"/>
-              </a:spcBef>
-              <a:spcAft>
-                <a:spcPts val="0"/>
-              </a:spcAft>
-              <a:buSzPts val="1300"/>
-              <a:buChar char="●"/>
-            </a:pPr>
-            <a:r>
-              <a:rPr lang="id"/>
-              <a:t>Salah satu strategi yang dapat digunakan untuk meningkatkan penjualan yaitu dengan memberikan treatment khusus pada customer lama</a:t>
-            </a:r>
-            <a:endParaRPr/>
-          </a:p>
-          <a:p>
-            <a:pPr indent="-311150" lvl="0" marL="457200" rtl="0" algn="l">
-              <a:spcBef>
-                <a:spcPts val="0"/>
-              </a:spcBef>
-              <a:spcAft>
-                <a:spcPts val="0"/>
-              </a:spcAft>
-              <a:buSzPts val="1300"/>
-              <a:buChar char="●"/>
-            </a:pPr>
-            <a:r>
-              <a:rPr lang="id"/>
-              <a:t>Banyaknya promo/campaign yang tidak tepat sasaran</a:t>
-            </a:r>
-            <a:endParaRPr/>
-          </a:p>
-          <a:p>
-            <a:pPr indent="0" lvl="0" marL="0" rtl="0" algn="l">
-              <a:spcBef>
-                <a:spcPts val="1200"/>
-              </a:spcBef>
-              <a:spcAft>
-                <a:spcPts val="0"/>
-              </a:spcAft>
-              <a:buNone/>
-            </a:pPr>
-            <a:r>
-              <a:rPr lang="id"/>
-              <a:t>Objective</a:t>
-            </a:r>
-            <a:endParaRPr/>
-          </a:p>
-          <a:p>
-            <a:pPr indent="-311150" lvl="0" marL="457200" rtl="0" algn="l">
-              <a:spcBef>
-                <a:spcPts val="1200"/>
-              </a:spcBef>
-              <a:spcAft>
-                <a:spcPts val="0"/>
-              </a:spcAft>
-              <a:buSzPts val="1300"/>
-              <a:buChar char="●"/>
-            </a:pPr>
-            <a:r>
-              <a:rPr lang="id"/>
-              <a:t>Memberikan treatment yang tepat sasaran kepada kelompok kategori customer tertentu sehingga dapat meningkatkan penjualan</a:t>
-            </a:r>
-            <a:endParaRPr/>
+              <a:rPr lang="id" sz="3600"/>
+              <a:t>RFM Analysis</a:t>
+            </a:r>
+            <a:endParaRPr sz="3600"/>
           </a:p>
         </p:txBody>
       </p:sp>
@@ -9607,7 +9783,7 @@
   <p:cSld>
     <p:spTree>
       <p:nvGrpSpPr>
-        <p:cNvPr id="147" name="Shape 147"/>
+        <p:cNvPr id="148" name="Shape 148"/>
         <p:cNvGrpSpPr/>
         <p:nvPr/>
       </p:nvGrpSpPr>
@@ -9621,7 +9797,7 @@
       </p:grpSpPr>
       <p:sp>
         <p:nvSpPr>
-          <p:cNvPr id="148" name="Google Shape;148;p23"/>
+          <p:cNvPr id="149" name="Google Shape;149;p23"/>
           <p:cNvSpPr txBox="1"/>
           <p:nvPr>
             <p:ph type="title"/>
@@ -9653,7 +9829,7 @@
             </a:pPr>
             <a:r>
               <a:rPr lang="id"/>
-              <a:t>RFM Analysis: Query</a:t>
+              <a:t>RFM Analysis</a:t>
             </a:r>
             <a:endParaRPr/>
           </a:p>
@@ -9661,7 +9837,7 @@
       </p:sp>
       <p:sp>
         <p:nvSpPr>
-          <p:cNvPr id="149" name="Google Shape;149;p23"/>
+          <p:cNvPr id="150" name="Google Shape;150;p23"/>
           <p:cNvSpPr txBox="1"/>
           <p:nvPr>
             <p:ph idx="1" type="body"/>
@@ -9670,7 +9846,7 @@
         <p:spPr>
           <a:xfrm>
             <a:off x="729450" y="2078875"/>
-            <a:ext cx="7688700" cy="2261100"/>
+            <a:ext cx="7688700" cy="2682000"/>
           </a:xfrm>
           <a:prstGeom prst="rect">
             <a:avLst/>
@@ -9687,73 +9863,102 @@
                 <a:spcPts val="0"/>
               </a:spcBef>
               <a:spcAft>
+                <a:spcPts val="0"/>
+              </a:spcAft>
+              <a:buNone/>
+            </a:pPr>
+            <a:r>
+              <a:rPr lang="id"/>
+              <a:t>Background</a:t>
+            </a:r>
+            <a:endParaRPr/>
+          </a:p>
+          <a:p>
+            <a:pPr indent="-311150" lvl="0" marL="457200" rtl="0" algn="l">
+              <a:spcBef>
                 <a:spcPts val="1200"/>
-              </a:spcAft>
-              <a:buNone/>
+              </a:spcBef>
+              <a:spcAft>
+                <a:spcPts val="0"/>
+              </a:spcAft>
+              <a:buSzPts val="1300"/>
+              <a:buChar char="●"/>
             </a:pPr>
             <a:r>
-              <a:t/>
+              <a:rPr lang="id"/>
+              <a:t>Biaya yang dibutuhkan untuk mengakuisisi customer baru mahal</a:t>
+            </a:r>
+            <a:endParaRPr/>
+          </a:p>
+          <a:p>
+            <a:pPr indent="-311150" lvl="0" marL="457200" rtl="0" algn="l">
+              <a:spcBef>
+                <a:spcPts val="0"/>
+              </a:spcBef>
+              <a:spcAft>
+                <a:spcPts val="0"/>
+              </a:spcAft>
+              <a:buSzPts val="1300"/>
+              <a:buChar char="●"/>
+            </a:pPr>
+            <a:r>
+              <a:rPr lang="id"/>
+              <a:t>Salah satu strategi yang dapat digunakan untuk meningkatkan penjualan yaitu dengan memberikan treatment khusus pada customer lama</a:t>
+            </a:r>
+            <a:endParaRPr/>
+          </a:p>
+          <a:p>
+            <a:pPr indent="-311150" lvl="0" marL="457200" rtl="0" algn="l">
+              <a:spcBef>
+                <a:spcPts val="0"/>
+              </a:spcBef>
+              <a:spcAft>
+                <a:spcPts val="0"/>
+              </a:spcAft>
+              <a:buSzPts val="1300"/>
+              <a:buChar char="●"/>
+            </a:pPr>
+            <a:r>
+              <a:rPr lang="id"/>
+              <a:t>Banyaknya promo/campaign yang tidak tepat sasaran</a:t>
+            </a:r>
+            <a:endParaRPr/>
+          </a:p>
+          <a:p>
+            <a:pPr indent="0" lvl="0" marL="0" rtl="0" algn="l">
+              <a:spcBef>
+                <a:spcPts val="1200"/>
+              </a:spcBef>
+              <a:spcAft>
+                <a:spcPts val="0"/>
+              </a:spcAft>
+              <a:buNone/>
+            </a:pPr>
+            <a:r>
+              <a:rPr lang="id"/>
+              <a:t>Objective</a:t>
+            </a:r>
+            <a:endParaRPr/>
+          </a:p>
+          <a:p>
+            <a:pPr indent="-311150" lvl="0" marL="457200" rtl="0" algn="l">
+              <a:spcBef>
+                <a:spcPts val="1200"/>
+              </a:spcBef>
+              <a:spcAft>
+                <a:spcPts val="0"/>
+              </a:spcAft>
+              <a:buSzPts val="1300"/>
+              <a:buChar char="●"/>
+            </a:pPr>
+            <a:r>
+              <a:rPr lang="id"/>
+              <a:t>Memberikan treatment yang tepat sasaran kepada kelompok kategori customer tertentu sehingga dapat meningkatkan penjualan</a:t>
             </a:r>
             <a:endParaRPr/>
           </a:p>
         </p:txBody>
       </p:sp>
-      <p:pic>
-        <p:nvPicPr>
-          <p:cNvPr id="150" name="Google Shape;150;p23"/>
-          <p:cNvPicPr preferRelativeResize="0"/>
-          <p:nvPr/>
-        </p:nvPicPr>
-        <p:blipFill>
-          <a:blip r:embed="rId3">
-            <a:alphaModFix/>
-          </a:blip>
-          <a:stretch>
-            <a:fillRect/>
-          </a:stretch>
-        </p:blipFill>
-        <p:spPr>
-          <a:xfrm>
-            <a:off x="768900" y="2062050"/>
-            <a:ext cx="6635750" cy="1437787"/>
-          </a:xfrm>
-          <a:prstGeom prst="rect">
-            <a:avLst/>
-          </a:prstGeom>
-          <a:noFill/>
-          <a:ln>
-            <a:noFill/>
-          </a:ln>
-        </p:spPr>
-      </p:pic>
-      <p:pic>
-        <p:nvPicPr>
-          <p:cNvPr id="151" name="Google Shape;151;p23"/>
-          <p:cNvPicPr preferRelativeResize="0"/>
-          <p:nvPr/>
-        </p:nvPicPr>
-        <p:blipFill>
-          <a:blip r:embed="rId4">
-            <a:alphaModFix/>
-          </a:blip>
-          <a:stretch>
-            <a:fillRect/>
-          </a:stretch>
-        </p:blipFill>
-        <p:spPr>
-          <a:xfrm>
-            <a:off x="768900" y="3614075"/>
-            <a:ext cx="5533026" cy="1295525"/>
-          </a:xfrm>
-          <a:prstGeom prst="rect">
-            <a:avLst/>
-          </a:prstGeom>
-          <a:noFill/>
-          <a:ln>
-            <a:noFill/>
-          </a:ln>
-        </p:spPr>
-      </p:pic>
     </p:spTree>
   </p:cSld>
   <p:clrMapOvr>
@@ -9767,7 +9972,7 @@
   <p:cSld>
     <p:spTree>
       <p:nvGrpSpPr>
-        <p:cNvPr id="155" name="Shape 155"/>
+        <p:cNvPr id="154" name="Shape 154"/>
         <p:cNvGrpSpPr/>
         <p:nvPr/>
       </p:nvGrpSpPr>
@@ -9781,7 +9986,7 @@
       </p:grpSpPr>
       <p:sp>
         <p:nvSpPr>
-          <p:cNvPr id="156" name="Google Shape;156;p24"/>
+          <p:cNvPr id="155" name="Google Shape;155;p24"/>
           <p:cNvSpPr txBox="1"/>
           <p:nvPr>
             <p:ph type="title"/>
@@ -9813,7 +10018,46 @@
             </a:pPr>
             <a:r>
               <a:rPr lang="id"/>
-              <a:t>Recency Segmentation</a:t>
+              <a:t>RFM Analysis: Flowchart</a:t>
+            </a:r>
+            <a:endParaRPr/>
+          </a:p>
+        </p:txBody>
+      </p:sp>
+      <p:sp>
+        <p:nvSpPr>
+          <p:cNvPr id="156" name="Google Shape;156;p24"/>
+          <p:cNvSpPr txBox="1"/>
+          <p:nvPr>
+            <p:ph idx="1" type="body"/>
+          </p:nvPr>
+        </p:nvSpPr>
+        <p:spPr>
+          <a:xfrm>
+            <a:off x="729450" y="2078875"/>
+            <a:ext cx="7688700" cy="2261100"/>
+          </a:xfrm>
+          <a:prstGeom prst="rect">
+            <a:avLst/>
+          </a:prstGeom>
+        </p:spPr>
+        <p:txBody>
+          <a:bodyPr anchorCtr="0" anchor="t" bIns="91425" lIns="91425" spcFirstLastPara="1" rIns="91425" wrap="square" tIns="91425">
+            <a:normAutofit/>
+          </a:bodyPr>
+          <a:lstStyle/>
+          <a:p>
+            <a:pPr indent="0" lvl="0" marL="0" rtl="0" algn="l">
+              <a:spcBef>
+                <a:spcPts val="0"/>
+              </a:spcBef>
+              <a:spcAft>
+                <a:spcPts val="1200"/>
+              </a:spcAft>
+              <a:buNone/>
+            </a:pPr>
+            <a:r>
+              <a:t/>
             </a:r>
             <a:endParaRPr/>
           </a:p>
@@ -9835,8 +10079,8 @@
         </p:blipFill>
         <p:spPr>
           <a:xfrm>
-            <a:off x="675850" y="2008475"/>
-            <a:ext cx="3658625" cy="2845600"/>
+            <a:off x="849575" y="2121163"/>
+            <a:ext cx="5638800" cy="2143125"/>
           </a:xfrm>
           <a:prstGeom prst="rect">
             <a:avLst/>
@@ -9847,156 +10091,6 @@
           </a:ln>
         </p:spPr>
       </p:pic>
-      <p:sp>
-        <p:nvSpPr>
-          <p:cNvPr id="158" name="Google Shape;158;p24"/>
-          <p:cNvSpPr txBox="1"/>
-          <p:nvPr/>
-        </p:nvSpPr>
-        <p:spPr>
-          <a:xfrm>
-            <a:off x="4648200" y="1990675"/>
-            <a:ext cx="4156800" cy="3247800"/>
-          </a:xfrm>
-          <a:prstGeom prst="rect">
-            <a:avLst/>
-          </a:prstGeom>
-          <a:noFill/>
-          <a:ln>
-            <a:noFill/>
-          </a:ln>
-        </p:spPr>
-        <p:txBody>
-          <a:bodyPr anchorCtr="0" anchor="t" bIns="91425" lIns="91425" spcFirstLastPara="1" rIns="91425" wrap="square" tIns="91425">
-            <a:spAutoFit/>
-          </a:bodyPr>
-          <a:lstStyle/>
-          <a:p>
-            <a:pPr indent="0" lvl="0" marL="0" rtl="0" algn="l">
-              <a:spcBef>
-                <a:spcPts val="0"/>
-              </a:spcBef>
-              <a:spcAft>
-                <a:spcPts val="0"/>
-              </a:spcAft>
-              <a:buClr>
-                <a:schemeClr val="dk1"/>
-              </a:buClr>
-              <a:buSzPts val="1100"/>
-              <a:buFont typeface="Arial"/>
-              <a:buNone/>
-            </a:pPr>
-            <a:r>
-              <a:rPr b="1" lang="id" sz="1700"/>
-              <a:t>Rekomendasi:</a:t>
-            </a:r>
-            <a:endParaRPr b="1" sz="1700"/>
-          </a:p>
-          <a:p>
-            <a:pPr indent="0" lvl="0" marL="0" rtl="0" algn="l">
-              <a:spcBef>
-                <a:spcPts val="0"/>
-              </a:spcBef>
-              <a:spcAft>
-                <a:spcPts val="0"/>
-              </a:spcAft>
-              <a:buClr>
-                <a:schemeClr val="dk1"/>
-              </a:buClr>
-              <a:buSzPts val="1100"/>
-              <a:buFont typeface="Arial"/>
-              <a:buNone/>
-            </a:pPr>
-            <a:r>
-              <a:t/>
-            </a:r>
-            <a:endParaRPr/>
-          </a:p>
-          <a:p>
-            <a:pPr indent="-317500" lvl="0" marL="457200" rtl="0" algn="l">
-              <a:spcBef>
-                <a:spcPts val="0"/>
-              </a:spcBef>
-              <a:spcAft>
-                <a:spcPts val="0"/>
-              </a:spcAft>
-              <a:buSzPts val="1400"/>
-              <a:buChar char="●"/>
-            </a:pPr>
-            <a:r>
-              <a:rPr lang="id"/>
-              <a:t>Active Segment: fokus untuk meningkatkan pembelian customer (cross / up selling strategy.</a:t>
-            </a:r>
-            <a:endParaRPr/>
-          </a:p>
-          <a:p>
-            <a:pPr indent="-317500" lvl="0" marL="457200" rtl="0" algn="l">
-              <a:spcBef>
-                <a:spcPts val="0"/>
-              </a:spcBef>
-              <a:spcAft>
-                <a:spcPts val="0"/>
-              </a:spcAft>
-              <a:buSzPts val="1400"/>
-              <a:buChar char="●"/>
-            </a:pPr>
-            <a:r>
-              <a:rPr lang="id"/>
-              <a:t>Warm Segment: fokus untuk meningkatkan repeat order (retention strategy)</a:t>
-            </a:r>
-            <a:endParaRPr/>
-          </a:p>
-          <a:p>
-            <a:pPr indent="-317500" lvl="0" marL="457200" rtl="0" algn="l">
-              <a:spcBef>
-                <a:spcPts val="0"/>
-              </a:spcBef>
-              <a:spcAft>
-                <a:spcPts val="0"/>
-              </a:spcAft>
-              <a:buSzPts val="1400"/>
-              <a:buChar char="●"/>
-            </a:pPr>
-            <a:r>
-              <a:rPr lang="id"/>
-              <a:t>Cold Segment (beresiko churn): fokus untuk mengajak customer untuk berbelanja kembali (reactivation strategy, retention strategy)</a:t>
-            </a:r>
-            <a:endParaRPr/>
-          </a:p>
-          <a:p>
-            <a:pPr indent="-317500" lvl="0" marL="457200" rtl="0" algn="l">
-              <a:spcBef>
-                <a:spcPts val="0"/>
-              </a:spcBef>
-              <a:spcAft>
-                <a:spcPts val="0"/>
-              </a:spcAft>
-              <a:buSzPts val="1400"/>
-              <a:buChar char="●"/>
-            </a:pPr>
-            <a:r>
-              <a:rPr lang="id"/>
-              <a:t>Inactive Segment: fokus untuk mengajak kembali customer (reactivation strategy)</a:t>
-            </a:r>
-            <a:endParaRPr/>
-          </a:p>
-          <a:p>
-            <a:pPr indent="0" lvl="0" marL="0" rtl="0" algn="l">
-              <a:spcBef>
-                <a:spcPts val="0"/>
-              </a:spcBef>
-              <a:spcAft>
-                <a:spcPts val="0"/>
-              </a:spcAft>
-              <a:buNone/>
-            </a:pPr>
-            <a:r>
-              <a:t/>
-            </a:r>
-            <a:endParaRPr/>
-          </a:p>
-        </p:txBody>
-      </p:sp>
     </p:spTree>
   </p:cSld>
   <p:clrMapOvr>
@@ -10010,7 +10104,7 @@
   <p:cSld>
     <p:spTree>
       <p:nvGrpSpPr>
-        <p:cNvPr id="162" name="Shape 162"/>
+        <p:cNvPr id="161" name="Shape 161"/>
         <p:cNvGrpSpPr/>
         <p:nvPr/>
       </p:nvGrpSpPr>
@@ -10024,7 +10118,7 @@
       </p:grpSpPr>
       <p:sp>
         <p:nvSpPr>
-          <p:cNvPr id="163" name="Google Shape;163;p25"/>
+          <p:cNvPr id="162" name="Google Shape;162;p25"/>
           <p:cNvSpPr txBox="1"/>
           <p:nvPr>
             <p:ph type="title"/>
@@ -10056,7 +10150,7 @@
             </a:pPr>
             <a:r>
               <a:rPr lang="id"/>
-              <a:t>RFM Segmentation</a:t>
+              <a:t>RFM Analysis: Query</a:t>
             </a:r>
             <a:endParaRPr/>
           </a:p>
@@ -10064,7 +10158,7 @@
       </p:sp>
       <p:sp>
         <p:nvSpPr>
-          <p:cNvPr id="164" name="Google Shape;164;p25"/>
+          <p:cNvPr id="163" name="Google Shape;163;p25"/>
           <p:cNvSpPr txBox="1"/>
           <p:nvPr>
             <p:ph idx="1" type="body"/>
@@ -10103,7 +10197,7 @@
       </p:sp>
       <p:pic>
         <p:nvPicPr>
-          <p:cNvPr id="165" name="Google Shape;165;p25"/>
+          <p:cNvPr id="164" name="Google Shape;164;p25"/>
           <p:cNvPicPr preferRelativeResize="0"/>
           <p:nvPr/>
         </p:nvPicPr>
@@ -10117,8 +10211,8 @@
         </p:blipFill>
         <p:spPr>
           <a:xfrm>
-            <a:off x="481250" y="1971550"/>
-            <a:ext cx="4268450" cy="3060750"/>
+            <a:off x="768900" y="2062050"/>
+            <a:ext cx="6635750" cy="1437787"/>
           </a:xfrm>
           <a:prstGeom prst="rect">
             <a:avLst/>
@@ -10129,16 +10223,24 @@
           </a:ln>
         </p:spPr>
       </p:pic>
-      <p:sp>
-        <p:nvSpPr>
-          <p:cNvPr id="166" name="Google Shape;166;p25"/>
-          <p:cNvSpPr txBox="1"/>
+      <p:pic>
+        <p:nvPicPr>
+          <p:cNvPr id="165" name="Google Shape;165;p25"/>
+          <p:cNvPicPr preferRelativeResize="0"/>
           <p:nvPr/>
-        </p:nvSpPr>
-        <p:spPr>
-          <a:xfrm>
-            <a:off x="5004175" y="1728825"/>
-            <a:ext cx="3971400" cy="3463200"/>
+        </p:nvPicPr>
+        <p:blipFill>
+          <a:blip r:embed="rId4">
+            <a:alphaModFix/>
+          </a:blip>
+          <a:stretch>
+            <a:fillRect/>
+          </a:stretch>
+        </p:blipFill>
+        <p:spPr>
+          <a:xfrm>
+            <a:off x="768900" y="3614075"/>
+            <a:ext cx="5533026" cy="1295525"/>
           </a:xfrm>
           <a:prstGeom prst="rect">
             <a:avLst/>
@@ -10148,116 +10250,7 @@
             <a:noFill/>
           </a:ln>
         </p:spPr>
-        <p:txBody>
-          <a:bodyPr anchorCtr="0" anchor="t" bIns="91425" lIns="91425" spcFirstLastPara="1" rIns="91425" wrap="square" tIns="91425">
-            <a:spAutoFit/>
-          </a:bodyPr>
-          <a:lstStyle/>
-          <a:p>
-            <a:pPr indent="0" lvl="0" marL="0" rtl="0" algn="l">
-              <a:spcBef>
-                <a:spcPts val="0"/>
-              </a:spcBef>
-              <a:spcAft>
-                <a:spcPts val="0"/>
-              </a:spcAft>
-              <a:buNone/>
-            </a:pPr>
-            <a:r>
-              <a:rPr b="1" lang="id" sz="1700"/>
-              <a:t>Deskripsi</a:t>
-            </a:r>
-            <a:r>
-              <a:rPr b="1" lang="id" sz="1700"/>
-              <a:t>:</a:t>
-            </a:r>
-            <a:endParaRPr b="1" sz="1700"/>
-          </a:p>
-          <a:p>
-            <a:pPr indent="0" lvl="0" marL="0" rtl="0" algn="l">
-              <a:spcBef>
-                <a:spcPts val="0"/>
-              </a:spcBef>
-              <a:spcAft>
-                <a:spcPts val="0"/>
-              </a:spcAft>
-              <a:buNone/>
-            </a:pPr>
-            <a:r>
-              <a:t/>
-            </a:r>
-            <a:endParaRPr/>
-          </a:p>
-          <a:p>
-            <a:pPr indent="-317500" lvl="0" marL="457200" rtl="0" algn="l">
-              <a:spcBef>
-                <a:spcPts val="0"/>
-              </a:spcBef>
-              <a:spcAft>
-                <a:spcPts val="0"/>
-              </a:spcAft>
-              <a:buSzPts val="1400"/>
-              <a:buChar char="●"/>
-            </a:pPr>
-            <a:r>
-              <a:rPr lang="id"/>
-              <a:t>Best Customer: Customer yang berbelanja dengan frekuensi dan dalam nominal yang besar.</a:t>
-            </a:r>
-            <a:endParaRPr/>
-          </a:p>
-          <a:p>
-            <a:pPr indent="-317500" lvl="0" marL="457200" rtl="0" algn="l">
-              <a:spcBef>
-                <a:spcPts val="0"/>
-              </a:spcBef>
-              <a:spcAft>
-                <a:spcPts val="0"/>
-              </a:spcAft>
-              <a:buSzPts val="1400"/>
-              <a:buChar char="●"/>
-            </a:pPr>
-            <a:r>
-              <a:rPr lang="id"/>
-              <a:t>Potential Loyal Customer: Customer yang baru-baru ini baru bertransaksi, berbelanja dalam jumlah yang lumayan besar namun frekuensinya masih biasa-biasa saja. </a:t>
-            </a:r>
-            <a:endParaRPr/>
-          </a:p>
-          <a:p>
-            <a:pPr indent="-317500" lvl="0" marL="457200" rtl="0" algn="l">
-              <a:spcBef>
-                <a:spcPts val="0"/>
-              </a:spcBef>
-              <a:spcAft>
-                <a:spcPts val="0"/>
-              </a:spcAft>
-              <a:buSzPts val="1400"/>
-              <a:buChar char="●"/>
-            </a:pPr>
-            <a:r>
-              <a:rPr lang="id"/>
-              <a:t>New Customer: Customer yang masih jarang berbelanja.</a:t>
-            </a:r>
-            <a:endParaRPr/>
-          </a:p>
-          <a:p>
-            <a:pPr indent="-317500" lvl="0" marL="457200" rtl="0" algn="l">
-              <a:spcBef>
-                <a:spcPts val="0"/>
-              </a:spcBef>
-              <a:spcAft>
-                <a:spcPts val="0"/>
-              </a:spcAft>
-              <a:buSzPts val="1400"/>
-              <a:buChar char="●"/>
-            </a:pPr>
-            <a:r>
-              <a:rPr lang="id"/>
-              <a:t>Risk Customer: Customer yang sudah jarang bertransaksi dan memiliki peluang untuk churn rate yang tinggi.</a:t>
-            </a:r>
-            <a:endParaRPr/>
-          </a:p>
-        </p:txBody>
-      </p:sp>
+      </p:pic>
     </p:spTree>
   </p:cSld>
   <p:clrMapOvr>
@@ -10271,7 +10264,7 @@
   <p:cSld>
     <p:spTree>
       <p:nvGrpSpPr>
-        <p:cNvPr id="170" name="Shape 170"/>
+        <p:cNvPr id="169" name="Shape 169"/>
         <p:cNvGrpSpPr/>
         <p:nvPr/>
       </p:nvGrpSpPr>
@@ -10285,7 +10278,7 @@
       </p:grpSpPr>
       <p:sp>
         <p:nvSpPr>
-          <p:cNvPr id="171" name="Google Shape;171;p26"/>
+          <p:cNvPr id="170" name="Google Shape;170;p26"/>
           <p:cNvSpPr txBox="1"/>
           <p:nvPr>
             <p:ph type="title"/>
@@ -10317,46 +10310,7 @@
             </a:pPr>
             <a:r>
               <a:rPr lang="id"/>
-              <a:t>RFM Segmentation</a:t>
-            </a:r>
-            <a:endParaRPr/>
-          </a:p>
-        </p:txBody>
-      </p:sp>
-      <p:sp>
-        <p:nvSpPr>
-          <p:cNvPr id="172" name="Google Shape;172;p26"/>
-          <p:cNvSpPr txBox="1"/>
-          <p:nvPr>
-            <p:ph idx="1" type="body"/>
-          </p:nvPr>
-        </p:nvSpPr>
-        <p:spPr>
-          <a:xfrm>
-            <a:off x="729450" y="2078875"/>
-            <a:ext cx="7688700" cy="2261100"/>
-          </a:xfrm>
-          <a:prstGeom prst="rect">
-            <a:avLst/>
-          </a:prstGeom>
-        </p:spPr>
-        <p:txBody>
-          <a:bodyPr anchorCtr="0" anchor="t" bIns="91425" lIns="91425" spcFirstLastPara="1" rIns="91425" wrap="square" tIns="91425">
-            <a:normAutofit/>
-          </a:bodyPr>
-          <a:lstStyle/>
-          <a:p>
-            <a:pPr indent="0" lvl="0" marL="0" rtl="0" algn="l">
-              <a:spcBef>
-                <a:spcPts val="0"/>
-              </a:spcBef>
-              <a:spcAft>
-                <a:spcPts val="1200"/>
-              </a:spcAft>
-              <a:buNone/>
-            </a:pPr>
-            <a:r>
-              <a:t/>
+              <a:t>Recency Segmentation</a:t>
             </a:r>
             <a:endParaRPr/>
           </a:p>
@@ -10364,7 +10318,7 @@
       </p:sp>
       <p:pic>
         <p:nvPicPr>
-          <p:cNvPr id="173" name="Google Shape;173;p26"/>
+          <p:cNvPr id="171" name="Google Shape;171;p26"/>
           <p:cNvPicPr preferRelativeResize="0"/>
           <p:nvPr/>
         </p:nvPicPr>
@@ -10378,8 +10332,8 @@
         </p:blipFill>
         <p:spPr>
           <a:xfrm>
-            <a:off x="577825" y="1952575"/>
-            <a:ext cx="3544450" cy="3028500"/>
+            <a:off x="675850" y="2008475"/>
+            <a:ext cx="3658625" cy="2845600"/>
           </a:xfrm>
           <a:prstGeom prst="rect">
             <a:avLst/>
@@ -10392,14 +10346,14 @@
       </p:pic>
       <p:sp>
         <p:nvSpPr>
-          <p:cNvPr id="174" name="Google Shape;174;p26"/>
+          <p:cNvPr id="172" name="Google Shape;172;p26"/>
           <p:cNvSpPr txBox="1"/>
           <p:nvPr/>
         </p:nvSpPr>
         <p:spPr>
           <a:xfrm>
-            <a:off x="4431725" y="1857175"/>
-            <a:ext cx="4565100" cy="3047700"/>
+            <a:off x="4648200" y="1990675"/>
+            <a:ext cx="4156800" cy="3247800"/>
           </a:xfrm>
           <a:prstGeom prst="rect">
             <a:avLst/>
@@ -10422,17 +10376,18 @@
               <a:spcAft>
                 <a:spcPts val="0"/>
               </a:spcAft>
+              <a:buClr>
+                <a:schemeClr val="dk1"/>
+              </a:buClr>
+              <a:buSzPts val="1100"/>
+              <a:buFont typeface="Arial"/>
               <a:buNone/>
             </a:pPr>
             <a:r>
-              <a:rPr b="1" lang="id" sz="1600"/>
-              <a:t>Rekomendasi</a:t>
-            </a:r>
-            <a:r>
-              <a:rPr b="1" lang="id" sz="1600"/>
-              <a:t>:</a:t>
-            </a:r>
-            <a:endParaRPr b="1" sz="1600"/>
+              <a:rPr b="1" lang="id" sz="1700"/>
+              <a:t>Rekomendasi:</a:t>
+            </a:r>
+            <a:endParaRPr b="1" sz="1700"/>
           </a:p>
           <a:p>
             <a:pPr indent="0" lvl="0" marL="0" rtl="0" algn="l">
@@ -10442,6 +10397,11 @@
               <a:spcAft>
                 <a:spcPts val="0"/>
               </a:spcAft>
+              <a:buClr>
+                <a:schemeClr val="dk1"/>
+              </a:buClr>
+              <a:buSzPts val="1100"/>
+              <a:buFont typeface="Arial"/>
               <a:buNone/>
             </a:pPr>
             <a:r>
@@ -10450,92 +10410,87 @@
             <a:endParaRPr/>
           </a:p>
           <a:p>
-            <a:pPr indent="-311150" lvl="0" marL="457200" rtl="0" algn="l">
-              <a:spcBef>
-                <a:spcPts val="0"/>
-              </a:spcBef>
-              <a:spcAft>
-                <a:spcPts val="0"/>
-              </a:spcAft>
-              <a:buSzPts val="1300"/>
+            <a:pPr indent="-317500" lvl="0" marL="457200" rtl="0" algn="l">
+              <a:spcBef>
+                <a:spcPts val="0"/>
+              </a:spcBef>
+              <a:spcAft>
+                <a:spcPts val="0"/>
+              </a:spcAft>
+              <a:buSzPts val="1400"/>
               <a:buChar char="●"/>
             </a:pPr>
             <a:r>
-              <a:rPr lang="id" sz="1300"/>
-              <a:t>Best Customer: </a:t>
-            </a:r>
-            <a:r>
-              <a:rPr lang="id" sz="1300"/>
-              <a:t>Berikan ia hadiah. Jika kamu punya produk baru tawarkanlah kepada mereka</a:t>
-            </a:r>
-            <a:r>
-              <a:rPr lang="id" sz="1300"/>
-              <a:t>.</a:t>
-            </a:r>
-            <a:endParaRPr sz="1300"/>
+              <a:rPr lang="id"/>
+              <a:t>Active Segment: fokus untuk meningkatkan pembelian customer (cross / up selling strategy.</a:t>
+            </a:r>
+            <a:endParaRPr/>
           </a:p>
           <a:p>
-            <a:pPr indent="-311150" lvl="0" marL="457200" rtl="0" algn="l">
-              <a:spcBef>
-                <a:spcPts val="0"/>
-              </a:spcBef>
-              <a:spcAft>
-                <a:spcPts val="0"/>
-              </a:spcAft>
-              <a:buSzPts val="1300"/>
+            <a:pPr indent="-317500" lvl="0" marL="457200" rtl="0" algn="l">
+              <a:spcBef>
+                <a:spcPts val="0"/>
+              </a:spcBef>
+              <a:spcAft>
+                <a:spcPts val="0"/>
+              </a:spcAft>
+              <a:buSzPts val="1400"/>
               <a:buChar char="●"/>
             </a:pPr>
             <a:r>
-              <a:rPr lang="id" sz="1300"/>
-              <a:t>Potential Loyal Customer: </a:t>
-            </a:r>
-            <a:r>
-              <a:rPr lang="id" sz="1300"/>
-              <a:t>Berikanlah mereka rekomendasi produk yang tepat agar dapat meningkatkan frekuensi belanjanya.</a:t>
-            </a:r>
-            <a:endParaRPr sz="1300"/>
+              <a:rPr lang="id"/>
+              <a:t>Warm Segment: fokus untuk meningkatkan repeat order (retention strategy)</a:t>
+            </a:r>
+            <a:endParaRPr/>
           </a:p>
           <a:p>
-            <a:pPr indent="-311150" lvl="0" marL="457200" rtl="0" algn="l">
-              <a:spcBef>
-                <a:spcPts val="0"/>
-              </a:spcBef>
-              <a:spcAft>
-                <a:spcPts val="0"/>
-              </a:spcAft>
-              <a:buSzPts val="1300"/>
+            <a:pPr indent="-317500" lvl="0" marL="457200" rtl="0" algn="l">
+              <a:spcBef>
+                <a:spcPts val="0"/>
+              </a:spcBef>
+              <a:spcAft>
+                <a:spcPts val="0"/>
+              </a:spcAft>
+              <a:buSzPts val="1400"/>
               <a:buChar char="●"/>
             </a:pPr>
             <a:r>
-              <a:rPr lang="id" sz="1300"/>
-              <a:t>New Customer: </a:t>
-            </a:r>
-            <a:r>
-              <a:rPr lang="id" sz="1300"/>
-              <a:t>Berikanlah mereka arahan/orientasi serta penawaran khusus agar dapat meningkatkan kunjungan mereka.</a:t>
-            </a:r>
-            <a:endParaRPr sz="1300"/>
+              <a:rPr lang="id"/>
+              <a:t>Cold Segment (beresiko churn): fokus untuk mengajak customer untuk berbelanja kembali (reactivation strategy, retention strategy)</a:t>
+            </a:r>
+            <a:endParaRPr/>
           </a:p>
           <a:p>
-            <a:pPr indent="-311150" lvl="0" marL="457200" rtl="0" algn="l">
-              <a:spcBef>
-                <a:spcPts val="0"/>
-              </a:spcBef>
-              <a:spcAft>
-                <a:spcPts val="0"/>
-              </a:spcAft>
-              <a:buSzPts val="1300"/>
+            <a:pPr indent="-317500" lvl="0" marL="457200" rtl="0" algn="l">
+              <a:spcBef>
+                <a:spcPts val="0"/>
+              </a:spcBef>
+              <a:spcAft>
+                <a:spcPts val="0"/>
+              </a:spcAft>
+              <a:buSzPts val="1400"/>
               <a:buChar char="●"/>
             </a:pPr>
             <a:r>
-              <a:rPr lang="id" sz="1300"/>
-              <a:t>Risk Customer: </a:t>
-            </a:r>
-            <a:r>
-              <a:rPr lang="id" sz="1300"/>
-              <a:t>Kirimi mereka kampanye pengaktifan kembali yang dipersonalisasi untuk terhubung kembali, dan tawarkan pembaruan dan produk bermanfaat untuk mendorong pembelian kembali.</a:t>
-            </a:r>
-            <a:endParaRPr sz="1300"/>
+              <a:rPr lang="id"/>
+              <a:t>Inactive Segment: fokus untuk mengajak kembali customer (reactivation strategy)</a:t>
+            </a:r>
+            <a:endParaRPr/>
+          </a:p>
+          <a:p>
+            <a:pPr indent="0" lvl="0" marL="0" rtl="0" algn="l">
+              <a:spcBef>
+                <a:spcPts val="0"/>
+              </a:spcBef>
+              <a:spcAft>
+                <a:spcPts val="0"/>
+              </a:spcAft>
+              <a:buNone/>
+            </a:pPr>
+            <a:r>
+              <a:t/>
+            </a:r>
+            <a:endParaRPr/>
           </a:p>
         </p:txBody>
       </p:sp>
@@ -10552,7 +10507,7 @@
   <p:cSld>
     <p:spTree>
       <p:nvGrpSpPr>
-        <p:cNvPr id="178" name="Shape 178"/>
+        <p:cNvPr id="176" name="Shape 176"/>
         <p:cNvGrpSpPr/>
         <p:nvPr/>
       </p:nvGrpSpPr>
@@ -10566,7 +10521,7 @@
       </p:grpSpPr>
       <p:sp>
         <p:nvSpPr>
-          <p:cNvPr id="179" name="Google Shape;179;p27"/>
+          <p:cNvPr id="177" name="Google Shape;177;p27"/>
           <p:cNvSpPr txBox="1"/>
           <p:nvPr>
             <p:ph type="title"/>
@@ -10598,7 +10553,7 @@
             </a:pPr>
             <a:r>
               <a:rPr lang="id"/>
-              <a:t>RFM Analysis: Insight</a:t>
+              <a:t>RFM Segmentation</a:t>
             </a:r>
             <a:endParaRPr/>
           </a:p>
@@ -10606,7 +10561,7 @@
       </p:sp>
       <p:sp>
         <p:nvSpPr>
-          <p:cNvPr id="180" name="Google Shape;180;p27"/>
+          <p:cNvPr id="178" name="Google Shape;178;p27"/>
           <p:cNvSpPr txBox="1"/>
           <p:nvPr>
             <p:ph idx="1" type="body"/>
@@ -10627,53 +10582,174 @@
           </a:bodyPr>
           <a:lstStyle/>
           <a:p>
-            <a:pPr indent="-311150" lvl="0" marL="457200" rtl="0" algn="l">
-              <a:spcBef>
-                <a:spcPts val="0"/>
-              </a:spcBef>
-              <a:spcAft>
-                <a:spcPts val="0"/>
-              </a:spcAft>
-              <a:buSzPts val="1300"/>
-              <a:buChar char="●"/>
+            <a:pPr indent="0" lvl="0" marL="0" rtl="0" algn="l">
+              <a:spcBef>
+                <a:spcPts val="0"/>
+              </a:spcBef>
+              <a:spcAft>
+                <a:spcPts val="1200"/>
+              </a:spcAft>
+              <a:buNone/>
             </a:pPr>
             <a:r>
-              <a:rPr lang="id"/>
-              <a:t>Stakeholder dapat menentukan fokusannya terhadap masing-masing kategori produk sesuai dengan tujuannya (meningkatkan keuntungan penjualan atau meningkatkan jumlah transaksi).</a:t>
+              <a:t/>
+            </a:r>
+            <a:endParaRPr/>
+          </a:p>
+        </p:txBody>
+      </p:sp>
+      <p:pic>
+        <p:nvPicPr>
+          <p:cNvPr id="179" name="Google Shape;179;p27"/>
+          <p:cNvPicPr preferRelativeResize="0"/>
+          <p:nvPr/>
+        </p:nvPicPr>
+        <p:blipFill>
+          <a:blip r:embed="rId3">
+            <a:alphaModFix/>
+          </a:blip>
+          <a:stretch>
+            <a:fillRect/>
+          </a:stretch>
+        </p:blipFill>
+        <p:spPr>
+          <a:xfrm>
+            <a:off x="481250" y="1971550"/>
+            <a:ext cx="4268450" cy="3060750"/>
+          </a:xfrm>
+          <a:prstGeom prst="rect">
+            <a:avLst/>
+          </a:prstGeom>
+          <a:noFill/>
+          <a:ln>
+            <a:noFill/>
+          </a:ln>
+        </p:spPr>
+      </p:pic>
+      <p:sp>
+        <p:nvSpPr>
+          <p:cNvPr id="180" name="Google Shape;180;p27"/>
+          <p:cNvSpPr txBox="1"/>
+          <p:nvPr/>
+        </p:nvSpPr>
+        <p:spPr>
+          <a:xfrm>
+            <a:off x="5004175" y="1728825"/>
+            <a:ext cx="3971400" cy="3463200"/>
+          </a:xfrm>
+          <a:prstGeom prst="rect">
+            <a:avLst/>
+          </a:prstGeom>
+          <a:noFill/>
+          <a:ln>
+            <a:noFill/>
+          </a:ln>
+        </p:spPr>
+        <p:txBody>
+          <a:bodyPr anchorCtr="0" anchor="t" bIns="91425" lIns="91425" spcFirstLastPara="1" rIns="91425" wrap="square" tIns="91425">
+            <a:spAutoFit/>
+          </a:bodyPr>
+          <a:lstStyle/>
+          <a:p>
+            <a:pPr indent="0" lvl="0" marL="0" rtl="0" algn="l">
+              <a:spcBef>
+                <a:spcPts val="0"/>
+              </a:spcBef>
+              <a:spcAft>
+                <a:spcPts val="0"/>
+              </a:spcAft>
+              <a:buNone/>
+            </a:pPr>
+            <a:r>
+              <a:rPr b="1" lang="id" sz="1700"/>
+              <a:t>Deskripsi</a:t>
+            </a:r>
+            <a:r>
+              <a:rPr b="1" lang="id" sz="1700"/>
+              <a:t>:</a:t>
+            </a:r>
+            <a:endParaRPr b="1" sz="1700"/>
+          </a:p>
+          <a:p>
+            <a:pPr indent="0" lvl="0" marL="0" rtl="0" algn="l">
+              <a:spcBef>
+                <a:spcPts val="0"/>
+              </a:spcBef>
+              <a:spcAft>
+                <a:spcPts val="0"/>
+              </a:spcAft>
+              <a:buNone/>
+            </a:pPr>
+            <a:r>
+              <a:t/>
             </a:r>
             <a:endParaRPr/>
           </a:p>
           <a:p>
-            <a:pPr indent="-311150" lvl="0" marL="457200" rtl="0" algn="l">
-              <a:spcBef>
-                <a:spcPts val="0"/>
-              </a:spcBef>
-              <a:spcAft>
-                <a:spcPts val="0"/>
-              </a:spcAft>
-              <a:buSzPts val="1300"/>
+            <a:pPr indent="-317500" lvl="0" marL="457200" rtl="0" algn="l">
+              <a:spcBef>
+                <a:spcPts val="0"/>
+              </a:spcBef>
+              <a:spcAft>
+                <a:spcPts val="0"/>
+              </a:spcAft>
+              <a:buSzPts val="1400"/>
               <a:buChar char="●"/>
             </a:pPr>
             <a:r>
               <a:rPr lang="id"/>
-              <a:t>Jangan lupa untuk menganalisa hari dan bulan tertentu dalam memberikan treatment kepada customer.</a:t>
+              <a:t>Best Customer: Customer yang berbelanja dengan frekuensi dan dalam nominal yang besar.</a:t>
             </a:r>
             <a:endParaRPr/>
           </a:p>
           <a:p>
-            <a:pPr indent="-311150" lvl="0" marL="457200" rtl="0" algn="l">
-              <a:spcBef>
-                <a:spcPts val="0"/>
-              </a:spcBef>
-              <a:spcAft>
-                <a:spcPts val="0"/>
-              </a:spcAft>
-              <a:buSzPts val="1300"/>
+            <a:pPr indent="-317500" lvl="0" marL="457200" rtl="0" algn="l">
+              <a:spcBef>
+                <a:spcPts val="0"/>
+              </a:spcBef>
+              <a:spcAft>
+                <a:spcPts val="0"/>
+              </a:spcAft>
+              <a:buSzPts val="1400"/>
               <a:buChar char="●"/>
             </a:pPr>
             <a:r>
               <a:rPr lang="id"/>
-              <a:t>Dapat menggunakan association rule untuk menentukan produk apa yang akan ditawarkan kepada kelompok customer tertentu.</a:t>
+              <a:t>Potential Loyal Customer: Customer yang baru-baru ini baru bertransaksi, berbelanja dalam jumlah yang lumayan besar namun frekuensinya masih biasa-biasa saja. </a:t>
+            </a:r>
+            <a:endParaRPr/>
+          </a:p>
+          <a:p>
+            <a:pPr indent="-317500" lvl="0" marL="457200" rtl="0" algn="l">
+              <a:spcBef>
+                <a:spcPts val="0"/>
+              </a:spcBef>
+              <a:spcAft>
+                <a:spcPts val="0"/>
+              </a:spcAft>
+              <a:buSzPts val="1400"/>
+              <a:buChar char="●"/>
+            </a:pPr>
+            <a:r>
+              <a:rPr lang="id"/>
+              <a:t>New Customer: Customer yang masih jarang berbelanja.</a:t>
+            </a:r>
+            <a:endParaRPr/>
+          </a:p>
+          <a:p>
+            <a:pPr indent="-317500" lvl="0" marL="457200" rtl="0" algn="l">
+              <a:spcBef>
+                <a:spcPts val="0"/>
+              </a:spcBef>
+              <a:spcAft>
+                <a:spcPts val="0"/>
+              </a:spcAft>
+              <a:buSzPts val="1400"/>
+              <a:buChar char="●"/>
+            </a:pPr>
+            <a:r>
+              <a:rPr lang="id"/>
+              <a:t>Risk Customer: Customer yang sudah jarang bertransaksi dan memiliki peluang untuk churn rate yang tinggi.</a:t>
             </a:r>
             <a:endParaRPr/>
           </a:p>
@@ -10709,25 +10785,65 @@
           <p:cNvPr id="185" name="Google Shape;185;p28"/>
           <p:cNvSpPr txBox="1"/>
           <p:nvPr>
+            <p:ph type="title"/>
+          </p:nvPr>
+        </p:nvSpPr>
+        <p:spPr>
+          <a:xfrm>
+            <a:off x="729450" y="1318650"/>
+            <a:ext cx="7688700" cy="535200"/>
+          </a:xfrm>
+          <a:prstGeom prst="rect">
+            <a:avLst/>
+          </a:prstGeom>
+        </p:spPr>
+        <p:txBody>
+          <a:bodyPr anchorCtr="0" anchor="t" bIns="91425" lIns="91425" spcFirstLastPara="1" rIns="91425" wrap="square" tIns="91425">
+            <a:normAutofit fontScale="90000"/>
+          </a:bodyPr>
+          <a:lstStyle/>
+          <a:p>
+            <a:pPr indent="0" lvl="0" marL="0" rtl="0" algn="l">
+              <a:spcBef>
+                <a:spcPts val="0"/>
+              </a:spcBef>
+              <a:spcAft>
+                <a:spcPts val="0"/>
+              </a:spcAft>
+              <a:buNone/>
+            </a:pPr>
+            <a:r>
+              <a:rPr lang="id"/>
+              <a:t>RFM Segmentation</a:t>
+            </a:r>
+            <a:endParaRPr/>
+          </a:p>
+        </p:txBody>
+      </p:sp>
+      <p:sp>
+        <p:nvSpPr>
+          <p:cNvPr id="186" name="Google Shape;186;p28"/>
+          <p:cNvSpPr txBox="1"/>
+          <p:nvPr>
             <p:ph idx="1" type="body"/>
           </p:nvPr>
         </p:nvSpPr>
         <p:spPr>
           <a:xfrm>
-            <a:off x="311700" y="460125"/>
-            <a:ext cx="8520600" cy="4108800"/>
+            <a:off x="729450" y="2078875"/>
+            <a:ext cx="7688700" cy="2261100"/>
           </a:xfrm>
           <a:prstGeom prst="rect">
             <a:avLst/>
           </a:prstGeom>
         </p:spPr>
         <p:txBody>
-          <a:bodyPr anchorCtr="0" anchor="ctr" bIns="91425" lIns="91425" spcFirstLastPara="1" rIns="91425" wrap="square" tIns="91425">
+          <a:bodyPr anchorCtr="0" anchor="t" bIns="91425" lIns="91425" spcFirstLastPara="1" rIns="91425" wrap="square" tIns="91425">
             <a:normAutofit/>
           </a:bodyPr>
           <a:lstStyle/>
           <a:p>
-            <a:pPr indent="0" lvl="0" marL="0" rtl="0" algn="ctr">
+            <a:pPr indent="0" lvl="0" marL="0" rtl="0" algn="l">
               <a:spcBef>
                 <a:spcPts val="0"/>
               </a:spcBef>
@@ -10737,14 +10853,186 @@
               <a:buNone/>
             </a:pPr>
             <a:r>
-              <a:rPr lang="id" sz="3600"/>
-              <a:t>Supplier </a:t>
-            </a:r>
-            <a:r>
-              <a:rPr lang="id" sz="3600"/>
-              <a:t>Analysis</a:t>
-            </a:r>
-            <a:endParaRPr sz="3600"/>
+              <a:t/>
+            </a:r>
+            <a:endParaRPr/>
+          </a:p>
+        </p:txBody>
+      </p:sp>
+      <p:pic>
+        <p:nvPicPr>
+          <p:cNvPr id="187" name="Google Shape;187;p28"/>
+          <p:cNvPicPr preferRelativeResize="0"/>
+          <p:nvPr/>
+        </p:nvPicPr>
+        <p:blipFill>
+          <a:blip r:embed="rId3">
+            <a:alphaModFix/>
+          </a:blip>
+          <a:stretch>
+            <a:fillRect/>
+          </a:stretch>
+        </p:blipFill>
+        <p:spPr>
+          <a:xfrm>
+            <a:off x="577825" y="1952575"/>
+            <a:ext cx="3544450" cy="3028500"/>
+          </a:xfrm>
+          <a:prstGeom prst="rect">
+            <a:avLst/>
+          </a:prstGeom>
+          <a:noFill/>
+          <a:ln>
+            <a:noFill/>
+          </a:ln>
+        </p:spPr>
+      </p:pic>
+      <p:sp>
+        <p:nvSpPr>
+          <p:cNvPr id="188" name="Google Shape;188;p28"/>
+          <p:cNvSpPr txBox="1"/>
+          <p:nvPr/>
+        </p:nvSpPr>
+        <p:spPr>
+          <a:xfrm>
+            <a:off x="4431725" y="1857175"/>
+            <a:ext cx="4565100" cy="3047700"/>
+          </a:xfrm>
+          <a:prstGeom prst="rect">
+            <a:avLst/>
+          </a:prstGeom>
+          <a:noFill/>
+          <a:ln>
+            <a:noFill/>
+          </a:ln>
+        </p:spPr>
+        <p:txBody>
+          <a:bodyPr anchorCtr="0" anchor="t" bIns="91425" lIns="91425" spcFirstLastPara="1" rIns="91425" wrap="square" tIns="91425">
+            <a:spAutoFit/>
+          </a:bodyPr>
+          <a:lstStyle/>
+          <a:p>
+            <a:pPr indent="0" lvl="0" marL="0" rtl="0" algn="l">
+              <a:spcBef>
+                <a:spcPts val="0"/>
+              </a:spcBef>
+              <a:spcAft>
+                <a:spcPts val="0"/>
+              </a:spcAft>
+              <a:buNone/>
+            </a:pPr>
+            <a:r>
+              <a:rPr b="1" lang="id" sz="1600"/>
+              <a:t>Rekomendasi</a:t>
+            </a:r>
+            <a:r>
+              <a:rPr b="1" lang="id" sz="1600"/>
+              <a:t>:</a:t>
+            </a:r>
+            <a:endParaRPr b="1" sz="1600"/>
+          </a:p>
+          <a:p>
+            <a:pPr indent="0" lvl="0" marL="0" rtl="0" algn="l">
+              <a:spcBef>
+                <a:spcPts val="0"/>
+              </a:spcBef>
+              <a:spcAft>
+                <a:spcPts val="0"/>
+              </a:spcAft>
+              <a:buNone/>
+            </a:pPr>
+            <a:r>
+              <a:t/>
+            </a:r>
+            <a:endParaRPr/>
+          </a:p>
+          <a:p>
+            <a:pPr indent="-311150" lvl="0" marL="457200" rtl="0" algn="l">
+              <a:spcBef>
+                <a:spcPts val="0"/>
+              </a:spcBef>
+              <a:spcAft>
+                <a:spcPts val="0"/>
+              </a:spcAft>
+              <a:buSzPts val="1300"/>
+              <a:buChar char="●"/>
+            </a:pPr>
+            <a:r>
+              <a:rPr lang="id" sz="1300"/>
+              <a:t>Best Customer: </a:t>
+            </a:r>
+            <a:r>
+              <a:rPr lang="id" sz="1300"/>
+              <a:t>Berikan ia hadiah. Jika kamu punya produk baru tawarkanlah kepada mereka</a:t>
+            </a:r>
+            <a:r>
+              <a:rPr lang="id" sz="1300"/>
+              <a:t>.</a:t>
+            </a:r>
+            <a:endParaRPr sz="1300"/>
+          </a:p>
+          <a:p>
+            <a:pPr indent="-311150" lvl="0" marL="457200" rtl="0" algn="l">
+              <a:spcBef>
+                <a:spcPts val="0"/>
+              </a:spcBef>
+              <a:spcAft>
+                <a:spcPts val="0"/>
+              </a:spcAft>
+              <a:buSzPts val="1300"/>
+              <a:buChar char="●"/>
+            </a:pPr>
+            <a:r>
+              <a:rPr lang="id" sz="1300"/>
+              <a:t>Potential Loyal Customer: </a:t>
+            </a:r>
+            <a:r>
+              <a:rPr lang="id" sz="1300"/>
+              <a:t>Berikanlah mereka rekomendasi produk yang tepat agar dapat meningkatkan frekuensi belanjanya.</a:t>
+            </a:r>
+            <a:endParaRPr sz="1300"/>
+          </a:p>
+          <a:p>
+            <a:pPr indent="-311150" lvl="0" marL="457200" rtl="0" algn="l">
+              <a:spcBef>
+                <a:spcPts val="0"/>
+              </a:spcBef>
+              <a:spcAft>
+                <a:spcPts val="0"/>
+              </a:spcAft>
+              <a:buSzPts val="1300"/>
+              <a:buChar char="●"/>
+            </a:pPr>
+            <a:r>
+              <a:rPr lang="id" sz="1300"/>
+              <a:t>New Customer: </a:t>
+            </a:r>
+            <a:r>
+              <a:rPr lang="id" sz="1300"/>
+              <a:t>Berikanlah mereka arahan/orientasi serta penawaran khusus agar dapat meningkatkan kunjungan mereka.</a:t>
+            </a:r>
+            <a:endParaRPr sz="1300"/>
+          </a:p>
+          <a:p>
+            <a:pPr indent="-311150" lvl="0" marL="457200" rtl="0" algn="l">
+              <a:spcBef>
+                <a:spcPts val="0"/>
+              </a:spcBef>
+              <a:spcAft>
+                <a:spcPts val="0"/>
+              </a:spcAft>
+              <a:buSzPts val="1300"/>
+              <a:buChar char="●"/>
+            </a:pPr>
+            <a:r>
+              <a:rPr lang="id" sz="1300"/>
+              <a:t>Risk Customer: </a:t>
+            </a:r>
+            <a:r>
+              <a:rPr lang="id" sz="1300"/>
+              <a:t>Kirimi mereka kampanye pengaktifan kembali yang dipersonalisasi untuk terhubung kembali, dan tawarkan pembaruan dan produk bermanfaat untuk mendorong pembelian kembali.</a:t>
+            </a:r>
+            <a:endParaRPr sz="1300"/>
           </a:p>
         </p:txBody>
       </p:sp>
@@ -10761,7 +11049,7 @@
   <p:cSld>
     <p:spTree>
       <p:nvGrpSpPr>
-        <p:cNvPr id="189" name="Shape 189"/>
+        <p:cNvPr id="192" name="Shape 192"/>
         <p:cNvGrpSpPr/>
         <p:nvPr/>
       </p:nvGrpSpPr>
@@ -10775,7 +11063,7 @@
       </p:grpSpPr>
       <p:sp>
         <p:nvSpPr>
-          <p:cNvPr id="190" name="Google Shape;190;p29"/>
+          <p:cNvPr id="193" name="Google Shape;193;p29"/>
           <p:cNvSpPr txBox="1"/>
           <p:nvPr>
             <p:ph type="title"/>
@@ -10807,22 +11095,7 @@
             </a:pPr>
             <a:r>
               <a:rPr lang="id"/>
-              <a:t>Supplier Analysis</a:t>
-            </a:r>
-            <a:endParaRPr/>
-          </a:p>
-          <a:p>
-            <a:pPr indent="0" lvl="0" marL="0" rtl="0" algn="l">
-              <a:spcBef>
-                <a:spcPts val="0"/>
-              </a:spcBef>
-              <a:spcAft>
-                <a:spcPts val="0"/>
-              </a:spcAft>
-              <a:buNone/>
-            </a:pPr>
-            <a:r>
-              <a:t/>
+              <a:t>RFM Analysis: Insight</a:t>
             </a:r>
             <a:endParaRPr/>
           </a:p>
@@ -10830,7 +11103,7 @@
       </p:sp>
       <p:sp>
         <p:nvSpPr>
-          <p:cNvPr id="191" name="Google Shape;191;p29"/>
+          <p:cNvPr id="194" name="Google Shape;194;p29"/>
           <p:cNvSpPr txBox="1"/>
           <p:nvPr>
             <p:ph idx="1" type="body"/>
@@ -10851,25 +11124,26 @@
           </a:bodyPr>
           <a:lstStyle/>
           <a:p>
-            <a:pPr indent="0" lvl="0" marL="0" rtl="0" algn="l">
-              <a:spcBef>
-                <a:spcPts val="0"/>
-              </a:spcBef>
-              <a:spcAft>
-                <a:spcPts val="0"/>
-              </a:spcAft>
-              <a:buNone/>
+            <a:pPr indent="-311150" lvl="0" marL="457200" rtl="0" algn="l">
+              <a:spcBef>
+                <a:spcPts val="0"/>
+              </a:spcBef>
+              <a:spcAft>
+                <a:spcPts val="0"/>
+              </a:spcAft>
+              <a:buSzPts val="1300"/>
+              <a:buChar char="●"/>
             </a:pPr>
             <a:r>
               <a:rPr lang="id"/>
-              <a:t>Background</a:t>
+              <a:t>Stakeholder dapat menentukan fokusannya terhadap masing-masing kategori produk sesuai dengan tujuannya (meningkatkan keuntungan penjualan atau meningkatkan jumlah transaksi).</a:t>
             </a:r>
             <a:endParaRPr/>
           </a:p>
           <a:p>
             <a:pPr indent="-311150" lvl="0" marL="457200" rtl="0" algn="l">
               <a:spcBef>
-                <a:spcPts val="1200"/>
+                <a:spcPts val="0"/>
               </a:spcBef>
               <a:spcAft>
                 <a:spcPts val="0"/>
@@ -10879,30 +11153,14 @@
             </a:pPr>
             <a:r>
               <a:rPr lang="id"/>
-              <a:t>BTerdapat supplier yang tidak banyak berpengaruh atas total pendapatan yang diperoleh perusahaan stakeholder dan sebaliknya</a:t>
-            </a:r>
-            <a:endParaRPr/>
-          </a:p>
-          <a:p>
-            <a:pPr indent="0" lvl="0" marL="0" rtl="0" algn="l">
-              <a:spcBef>
-                <a:spcPts val="1200"/>
-              </a:spcBef>
-              <a:spcAft>
-                <a:spcPts val="0"/>
-              </a:spcAft>
-              <a:buNone/>
-            </a:pPr>
-            <a:r>
-              <a:rPr lang="id"/>
-              <a:t>Objective</a:t>
+              <a:t>Jangan lupa untuk menganalisa hari dan bulan tertentu dalam memberikan treatment kepada customer.</a:t>
             </a:r>
             <a:endParaRPr/>
           </a:p>
           <a:p>
             <a:pPr indent="-311150" lvl="0" marL="457200" rtl="0" algn="l">
               <a:spcBef>
-                <a:spcPts val="1200"/>
+                <a:spcPts val="0"/>
               </a:spcBef>
               <a:spcAft>
                 <a:spcPts val="0"/>
@@ -10912,7 +11170,7 @@
             </a:pPr>
             <a:r>
               <a:rPr lang="id"/>
-              <a:t>Mengetahui perusahaan supplier  mana sajakah yang sangat mempengaruhi pendapatan perusahaan stakeholder.</a:t>
+              <a:t>Dapat menggunakan association rule untuk menentukan produk apa yang akan ditawarkan kepada kelompok customer tertentu.</a:t>
             </a:r>
             <a:endParaRPr/>
           </a:p>
@@ -10931,7 +11189,7 @@
   <p:cSld>
     <p:spTree>
       <p:nvGrpSpPr>
-        <p:cNvPr id="195" name="Shape 195"/>
+        <p:cNvPr id="198" name="Shape 198"/>
         <p:cNvGrpSpPr/>
         <p:nvPr/>
       </p:nvGrpSpPr>
@@ -10945,51 +11203,7 @@
       </p:grpSpPr>
       <p:sp>
         <p:nvSpPr>
-          <p:cNvPr id="196" name="Google Shape;196;p30"/>
-          <p:cNvSpPr txBox="1"/>
-          <p:nvPr>
-            <p:ph type="title"/>
-          </p:nvPr>
-        </p:nvSpPr>
-        <p:spPr>
-          <a:xfrm>
-            <a:off x="729450" y="1318650"/>
-            <a:ext cx="7688700" cy="535200"/>
-          </a:xfrm>
-          <a:prstGeom prst="rect">
-            <a:avLst/>
-          </a:prstGeom>
-        </p:spPr>
-        <p:txBody>
-          <a:bodyPr anchorCtr="0" anchor="t" bIns="91425" lIns="91425" spcFirstLastPara="1" rIns="91425" wrap="square" tIns="91425">
-            <a:normAutofit fontScale="90000"/>
-          </a:bodyPr>
-          <a:lstStyle/>
-          <a:p>
-            <a:pPr indent="0" lvl="0" marL="0" rtl="0" algn="l">
-              <a:spcBef>
-                <a:spcPts val="0"/>
-              </a:spcBef>
-              <a:spcAft>
-                <a:spcPts val="0"/>
-              </a:spcAft>
-              <a:buNone/>
-            </a:pPr>
-            <a:r>
-              <a:rPr lang="id"/>
-              <a:t>Supplier Analysis</a:t>
-            </a:r>
-            <a:r>
-              <a:rPr lang="id"/>
-              <a:t>: Query</a:t>
-            </a:r>
-            <a:endParaRPr/>
-          </a:p>
-        </p:txBody>
-      </p:sp>
-      <p:sp>
-        <p:nvSpPr>
-          <p:cNvPr id="197" name="Google Shape;197;p30"/>
+          <p:cNvPr id="199" name="Google Shape;199;p30"/>
           <p:cNvSpPr txBox="1"/>
           <p:nvPr>
             <p:ph idx="1" type="body"/>
@@ -10997,20 +11211,20 @@
         </p:nvSpPr>
         <p:spPr>
           <a:xfrm>
-            <a:off x="729450" y="2078875"/>
-            <a:ext cx="7688700" cy="2261100"/>
+            <a:off x="311700" y="460125"/>
+            <a:ext cx="8520600" cy="4108800"/>
           </a:xfrm>
           <a:prstGeom prst="rect">
             <a:avLst/>
           </a:prstGeom>
         </p:spPr>
         <p:txBody>
-          <a:bodyPr anchorCtr="0" anchor="t" bIns="91425" lIns="91425" spcFirstLastPara="1" rIns="91425" wrap="square" tIns="91425">
+          <a:bodyPr anchorCtr="0" anchor="ctr" bIns="91425" lIns="91425" spcFirstLastPara="1" rIns="91425" wrap="square" tIns="91425">
             <a:normAutofit/>
           </a:bodyPr>
           <a:lstStyle/>
           <a:p>
-            <a:pPr indent="0" lvl="0" marL="0" rtl="0" algn="l">
+            <a:pPr indent="0" lvl="0" marL="0" rtl="0" algn="ctr">
               <a:spcBef>
                 <a:spcPts val="0"/>
               </a:spcBef>
@@ -11020,68 +11234,17 @@
               <a:buNone/>
             </a:pPr>
             <a:r>
-              <a:t/>
-            </a:r>
-            <a:endParaRPr/>
+              <a:rPr lang="id" sz="3600"/>
+              <a:t>Supplier </a:t>
+            </a:r>
+            <a:r>
+              <a:rPr lang="id" sz="3600"/>
+              <a:t>Analysis</a:t>
+            </a:r>
+            <a:endParaRPr sz="3600"/>
           </a:p>
         </p:txBody>
       </p:sp>
-      <p:pic>
-        <p:nvPicPr>
-          <p:cNvPr id="198" name="Google Shape;198;p30"/>
-          <p:cNvPicPr preferRelativeResize="0"/>
-          <p:nvPr/>
-        </p:nvPicPr>
-        <p:blipFill>
-          <a:blip r:embed="rId3">
-            <a:alphaModFix/>
-          </a:blip>
-          <a:stretch>
-            <a:fillRect/>
-          </a:stretch>
-        </p:blipFill>
-        <p:spPr>
-          <a:xfrm>
-            <a:off x="612150" y="1946488"/>
-            <a:ext cx="6686550" cy="1250525"/>
-          </a:xfrm>
-          <a:prstGeom prst="rect">
-            <a:avLst/>
-          </a:prstGeom>
-          <a:noFill/>
-          <a:ln>
-            <a:noFill/>
-          </a:ln>
-        </p:spPr>
-      </p:pic>
-      <p:pic>
-        <p:nvPicPr>
-          <p:cNvPr id="199" name="Google Shape;199;p30"/>
-          <p:cNvPicPr preferRelativeResize="0"/>
-          <p:nvPr/>
-        </p:nvPicPr>
-        <p:blipFill>
-          <a:blip r:embed="rId4">
-            <a:alphaModFix/>
-          </a:blip>
-          <a:stretch>
-            <a:fillRect/>
-          </a:stretch>
-        </p:blipFill>
-        <p:spPr>
-          <a:xfrm>
-            <a:off x="612150" y="3381074"/>
-            <a:ext cx="6315075" cy="1135225"/>
-          </a:xfrm>
-          <a:prstGeom prst="rect">
-            <a:avLst/>
-          </a:prstGeom>
-          <a:noFill/>
-          <a:ln>
-            <a:noFill/>
-          </a:ln>
-        </p:spPr>
-      </p:pic>
     </p:spTree>
   </p:cSld>
   <p:clrMapOvr>
@@ -11190,45 +11353,68 @@
                 <a:spcPts val="0"/>
               </a:spcBef>
               <a:spcAft>
+                <a:spcPts val="0"/>
+              </a:spcAft>
+              <a:buNone/>
+            </a:pPr>
+            <a:r>
+              <a:rPr lang="id"/>
+              <a:t>Background</a:t>
+            </a:r>
+            <a:endParaRPr/>
+          </a:p>
+          <a:p>
+            <a:pPr indent="-311150" lvl="0" marL="457200" rtl="0" algn="l">
+              <a:spcBef>
                 <a:spcPts val="1200"/>
-              </a:spcAft>
-              <a:buNone/>
+              </a:spcBef>
+              <a:spcAft>
+                <a:spcPts val="0"/>
+              </a:spcAft>
+              <a:buSzPts val="1300"/>
+              <a:buChar char="●"/>
             </a:pPr>
             <a:r>
-              <a:t/>
+              <a:rPr lang="id"/>
+              <a:t>Terdapat supplier yang tidak banyak berpengaruh atas total pendapatan yang diperoleh perusahaan stakeholder dan sebaliknya</a:t>
+            </a:r>
+            <a:endParaRPr/>
+          </a:p>
+          <a:p>
+            <a:pPr indent="0" lvl="0" marL="0" rtl="0" algn="l">
+              <a:spcBef>
+                <a:spcPts val="1200"/>
+              </a:spcBef>
+              <a:spcAft>
+                <a:spcPts val="0"/>
+              </a:spcAft>
+              <a:buNone/>
+            </a:pPr>
+            <a:r>
+              <a:rPr lang="id"/>
+              <a:t>Objective</a:t>
+            </a:r>
+            <a:endParaRPr/>
+          </a:p>
+          <a:p>
+            <a:pPr indent="-311150" lvl="0" marL="457200" rtl="0" algn="l">
+              <a:spcBef>
+                <a:spcPts val="1200"/>
+              </a:spcBef>
+              <a:spcAft>
+                <a:spcPts val="0"/>
+              </a:spcAft>
+              <a:buSzPts val="1300"/>
+              <a:buChar char="●"/>
+            </a:pPr>
+            <a:r>
+              <a:rPr lang="id"/>
+              <a:t>Mengetahui perusahaan supplier  mana sajakah yang sangat mempengaruhi pendapatan perusahaan stakeholder.</a:t>
             </a:r>
             <a:endParaRPr/>
           </a:p>
         </p:txBody>
       </p:sp>
-      <p:pic>
-        <p:nvPicPr>
-          <p:cNvPr id="206" name="Google Shape;206;p31"/>
-          <p:cNvPicPr preferRelativeResize="0"/>
-          <p:nvPr/>
-        </p:nvPicPr>
-        <p:blipFill>
-          <a:blip r:embed="rId3">
-            <a:alphaModFix/>
-          </a:blip>
-          <a:stretch>
-            <a:fillRect/>
-          </a:stretch>
-        </p:blipFill>
-        <p:spPr>
-          <a:xfrm>
-            <a:off x="913350" y="1834575"/>
-            <a:ext cx="6962276" cy="3062325"/>
-          </a:xfrm>
-          <a:prstGeom prst="rect">
-            <a:avLst/>
-          </a:prstGeom>
-          <a:noFill/>
-          <a:ln>
-            <a:noFill/>
-          </a:ln>
-        </p:spPr>
-      </p:pic>
     </p:spTree>
   </p:cSld>
   <p:clrMapOvr>
@@ -11382,7 +11568,7 @@
   <p:cSld>
     <p:spTree>
       <p:nvGrpSpPr>
-        <p:cNvPr id="210" name="Shape 210"/>
+        <p:cNvPr id="209" name="Shape 209"/>
         <p:cNvGrpSpPr/>
         <p:nvPr/>
       </p:nvGrpSpPr>
@@ -11396,7 +11582,7 @@
       </p:grpSpPr>
       <p:sp>
         <p:nvSpPr>
-          <p:cNvPr id="211" name="Google Shape;211;p32"/>
+          <p:cNvPr id="210" name="Google Shape;210;p32"/>
           <p:cNvSpPr txBox="1"/>
           <p:nvPr>
             <p:ph type="title"/>
@@ -11430,13 +11616,17 @@
               <a:rPr lang="id"/>
               <a:t>Supplier Analysis</a:t>
             </a:r>
+            <a:r>
+              <a:rPr lang="id"/>
+              <a:t>: Flowchart</a:t>
+            </a:r>
             <a:endParaRPr/>
           </a:p>
         </p:txBody>
       </p:sp>
       <p:sp>
         <p:nvSpPr>
-          <p:cNvPr id="212" name="Google Shape;212;p32"/>
+          <p:cNvPr id="211" name="Google Shape;211;p32"/>
           <p:cNvSpPr txBox="1"/>
           <p:nvPr>
             <p:ph idx="1" type="body"/>
@@ -11475,7 +11665,7 @@
       </p:sp>
       <p:pic>
         <p:nvPicPr>
-          <p:cNvPr id="213" name="Google Shape;213;p32"/>
+          <p:cNvPr id="212" name="Google Shape;212;p32"/>
           <p:cNvPicPr preferRelativeResize="0"/>
           <p:nvPr/>
         </p:nvPicPr>
@@ -11489,8 +11679,8 @@
         </p:blipFill>
         <p:spPr>
           <a:xfrm>
-            <a:off x="729450" y="1785325"/>
-            <a:ext cx="6591300" cy="3238500"/>
+            <a:off x="1026400" y="2078875"/>
+            <a:ext cx="6934200" cy="2171700"/>
           </a:xfrm>
           <a:prstGeom prst="rect">
             <a:avLst/>
@@ -11514,7 +11704,7 @@
   <p:cSld>
     <p:spTree>
       <p:nvGrpSpPr>
-        <p:cNvPr id="217" name="Shape 217"/>
+        <p:cNvPr id="216" name="Shape 216"/>
         <p:cNvGrpSpPr/>
         <p:nvPr/>
       </p:nvGrpSpPr>
@@ -11528,7 +11718,7 @@
       </p:grpSpPr>
       <p:sp>
         <p:nvSpPr>
-          <p:cNvPr id="218" name="Google Shape;218;p33"/>
+          <p:cNvPr id="217" name="Google Shape;217;p33"/>
           <p:cNvSpPr txBox="1"/>
           <p:nvPr>
             <p:ph type="title"/>
@@ -11560,7 +11750,7 @@
             </a:pPr>
             <a:r>
               <a:rPr lang="id"/>
-              <a:t>RFM Analysis: Insight</a:t>
+              <a:t>Supplier Analysis: Query</a:t>
             </a:r>
             <a:endParaRPr/>
           </a:p>
@@ -11568,7 +11758,446 @@
       </p:sp>
       <p:sp>
         <p:nvSpPr>
+          <p:cNvPr id="218" name="Google Shape;218;p33"/>
+          <p:cNvSpPr txBox="1"/>
+          <p:nvPr>
+            <p:ph idx="1" type="body"/>
+          </p:nvPr>
+        </p:nvSpPr>
+        <p:spPr>
+          <a:xfrm>
+            <a:off x="729450" y="2078875"/>
+            <a:ext cx="7688700" cy="2261100"/>
+          </a:xfrm>
+          <a:prstGeom prst="rect">
+            <a:avLst/>
+          </a:prstGeom>
+        </p:spPr>
+        <p:txBody>
+          <a:bodyPr anchorCtr="0" anchor="t" bIns="91425" lIns="91425" spcFirstLastPara="1" rIns="91425" wrap="square" tIns="91425">
+            <a:normAutofit/>
+          </a:bodyPr>
+          <a:lstStyle/>
+          <a:p>
+            <a:pPr indent="0" lvl="0" marL="0" rtl="0" algn="l">
+              <a:spcBef>
+                <a:spcPts val="0"/>
+              </a:spcBef>
+              <a:spcAft>
+                <a:spcPts val="1200"/>
+              </a:spcAft>
+              <a:buNone/>
+            </a:pPr>
+            <a:r>
+              <a:t/>
+            </a:r>
+            <a:endParaRPr/>
+          </a:p>
+        </p:txBody>
+      </p:sp>
+      <p:pic>
+        <p:nvPicPr>
           <p:cNvPr id="219" name="Google Shape;219;p33"/>
+          <p:cNvPicPr preferRelativeResize="0"/>
+          <p:nvPr/>
+        </p:nvPicPr>
+        <p:blipFill>
+          <a:blip r:embed="rId3">
+            <a:alphaModFix/>
+          </a:blip>
+          <a:stretch>
+            <a:fillRect/>
+          </a:stretch>
+        </p:blipFill>
+        <p:spPr>
+          <a:xfrm>
+            <a:off x="612150" y="1946488"/>
+            <a:ext cx="6686550" cy="1250525"/>
+          </a:xfrm>
+          <a:prstGeom prst="rect">
+            <a:avLst/>
+          </a:prstGeom>
+          <a:noFill/>
+          <a:ln>
+            <a:noFill/>
+          </a:ln>
+        </p:spPr>
+      </p:pic>
+      <p:pic>
+        <p:nvPicPr>
+          <p:cNvPr id="220" name="Google Shape;220;p33"/>
+          <p:cNvPicPr preferRelativeResize="0"/>
+          <p:nvPr/>
+        </p:nvPicPr>
+        <p:blipFill>
+          <a:blip r:embed="rId4">
+            <a:alphaModFix/>
+          </a:blip>
+          <a:stretch>
+            <a:fillRect/>
+          </a:stretch>
+        </p:blipFill>
+        <p:spPr>
+          <a:xfrm>
+            <a:off x="612150" y="3381074"/>
+            <a:ext cx="6315075" cy="1135225"/>
+          </a:xfrm>
+          <a:prstGeom prst="rect">
+            <a:avLst/>
+          </a:prstGeom>
+          <a:noFill/>
+          <a:ln>
+            <a:noFill/>
+          </a:ln>
+        </p:spPr>
+      </p:pic>
+    </p:spTree>
+  </p:cSld>
+  <p:clrMapOvr>
+    <a:masterClrMapping/>
+  </p:clrMapOvr>
+</p:sld>
+</file>
+
+<file path=ppt/slides/slide22.xml><?xml version="1.0" encoding="utf-8"?>
+<p:sld xmlns:a="http://schemas.openxmlformats.org/drawingml/2006/main" xmlns:r="http://schemas.openxmlformats.org/officeDocument/2006/relationships" xmlns:mc="http://schemas.openxmlformats.org/markup-compatibility/2006" xmlns:mv="urn:schemas-microsoft-com:mac:vml" xmlns:p="http://schemas.openxmlformats.org/presentationml/2006/main" xmlns:c="http://schemas.openxmlformats.org/drawingml/2006/chart" xmlns:dgm="http://schemas.openxmlformats.org/drawingml/2006/diagram" xmlns:o="urn:schemas-microsoft-com:office:office" xmlns:v="urn:schemas-microsoft-com:vml" xmlns:pvml="urn:schemas-microsoft-com:office:powerpoint" xmlns:com="http://schemas.openxmlformats.org/drawingml/2006/compatibility" xmlns:p14="http://schemas.microsoft.com/office/powerpoint/2010/main" xmlns:p15="http://schemas.microsoft.com/office/powerpoint/2012/main" xmlns:ahyp="http://schemas.microsoft.com/office/drawing/2018/hyperlinkcolor">
+  <p:cSld>
+    <p:spTree>
+      <p:nvGrpSpPr>
+        <p:cNvPr id="224" name="Shape 224"/>
+        <p:cNvGrpSpPr/>
+        <p:nvPr/>
+      </p:nvGrpSpPr>
+      <p:grpSpPr>
+        <a:xfrm>
+          <a:off x="0" y="0"/>
+          <a:ext cx="0" cy="0"/>
+          <a:chOff x="0" y="0"/>
+          <a:chExt cx="0" cy="0"/>
+        </a:xfrm>
+      </p:grpSpPr>
+      <p:sp>
+        <p:nvSpPr>
+          <p:cNvPr id="225" name="Google Shape;225;p34"/>
+          <p:cNvSpPr txBox="1"/>
+          <p:nvPr>
+            <p:ph type="title"/>
+          </p:nvPr>
+        </p:nvSpPr>
+        <p:spPr>
+          <a:xfrm>
+            <a:off x="729450" y="1318650"/>
+            <a:ext cx="7688700" cy="535200"/>
+          </a:xfrm>
+          <a:prstGeom prst="rect">
+            <a:avLst/>
+          </a:prstGeom>
+        </p:spPr>
+        <p:txBody>
+          <a:bodyPr anchorCtr="0" anchor="t" bIns="91425" lIns="91425" spcFirstLastPara="1" rIns="91425" wrap="square" tIns="91425">
+            <a:normAutofit fontScale="90000"/>
+          </a:bodyPr>
+          <a:lstStyle/>
+          <a:p>
+            <a:pPr indent="0" lvl="0" marL="0" rtl="0" algn="l">
+              <a:spcBef>
+                <a:spcPts val="0"/>
+              </a:spcBef>
+              <a:spcAft>
+                <a:spcPts val="0"/>
+              </a:spcAft>
+              <a:buNone/>
+            </a:pPr>
+            <a:r>
+              <a:rPr lang="id"/>
+              <a:t>Supplier Analysis</a:t>
+            </a:r>
+            <a:endParaRPr/>
+          </a:p>
+          <a:p>
+            <a:pPr indent="0" lvl="0" marL="0" rtl="0" algn="l">
+              <a:spcBef>
+                <a:spcPts val="0"/>
+              </a:spcBef>
+              <a:spcAft>
+                <a:spcPts val="0"/>
+              </a:spcAft>
+              <a:buNone/>
+            </a:pPr>
+            <a:r>
+              <a:t/>
+            </a:r>
+            <a:endParaRPr/>
+          </a:p>
+        </p:txBody>
+      </p:sp>
+      <p:sp>
+        <p:nvSpPr>
+          <p:cNvPr id="226" name="Google Shape;226;p34"/>
+          <p:cNvSpPr txBox="1"/>
+          <p:nvPr>
+            <p:ph idx="1" type="body"/>
+          </p:nvPr>
+        </p:nvSpPr>
+        <p:spPr>
+          <a:xfrm>
+            <a:off x="729450" y="2078875"/>
+            <a:ext cx="7688700" cy="2261100"/>
+          </a:xfrm>
+          <a:prstGeom prst="rect">
+            <a:avLst/>
+          </a:prstGeom>
+        </p:spPr>
+        <p:txBody>
+          <a:bodyPr anchorCtr="0" anchor="t" bIns="91425" lIns="91425" spcFirstLastPara="1" rIns="91425" wrap="square" tIns="91425">
+            <a:normAutofit/>
+          </a:bodyPr>
+          <a:lstStyle/>
+          <a:p>
+            <a:pPr indent="0" lvl="0" marL="0" rtl="0" algn="l">
+              <a:spcBef>
+                <a:spcPts val="0"/>
+              </a:spcBef>
+              <a:spcAft>
+                <a:spcPts val="1200"/>
+              </a:spcAft>
+              <a:buNone/>
+            </a:pPr>
+            <a:r>
+              <a:t/>
+            </a:r>
+            <a:endParaRPr/>
+          </a:p>
+        </p:txBody>
+      </p:sp>
+      <p:pic>
+        <p:nvPicPr>
+          <p:cNvPr id="227" name="Google Shape;227;p34"/>
+          <p:cNvPicPr preferRelativeResize="0"/>
+          <p:nvPr/>
+        </p:nvPicPr>
+        <p:blipFill>
+          <a:blip r:embed="rId3">
+            <a:alphaModFix/>
+          </a:blip>
+          <a:stretch>
+            <a:fillRect/>
+          </a:stretch>
+        </p:blipFill>
+        <p:spPr>
+          <a:xfrm>
+            <a:off x="913350" y="1834575"/>
+            <a:ext cx="6962276" cy="3062325"/>
+          </a:xfrm>
+          <a:prstGeom prst="rect">
+            <a:avLst/>
+          </a:prstGeom>
+          <a:noFill/>
+          <a:ln>
+            <a:noFill/>
+          </a:ln>
+        </p:spPr>
+      </p:pic>
+    </p:spTree>
+  </p:cSld>
+  <p:clrMapOvr>
+    <a:masterClrMapping/>
+  </p:clrMapOvr>
+</p:sld>
+</file>
+
+<file path=ppt/slides/slide23.xml><?xml version="1.0" encoding="utf-8"?>
+<p:sld xmlns:a="http://schemas.openxmlformats.org/drawingml/2006/main" xmlns:r="http://schemas.openxmlformats.org/officeDocument/2006/relationships" xmlns:mc="http://schemas.openxmlformats.org/markup-compatibility/2006" xmlns:mv="urn:schemas-microsoft-com:mac:vml" xmlns:p="http://schemas.openxmlformats.org/presentationml/2006/main" xmlns:c="http://schemas.openxmlformats.org/drawingml/2006/chart" xmlns:dgm="http://schemas.openxmlformats.org/drawingml/2006/diagram" xmlns:o="urn:schemas-microsoft-com:office:office" xmlns:v="urn:schemas-microsoft-com:vml" xmlns:pvml="urn:schemas-microsoft-com:office:powerpoint" xmlns:com="http://schemas.openxmlformats.org/drawingml/2006/compatibility" xmlns:p14="http://schemas.microsoft.com/office/powerpoint/2010/main" xmlns:p15="http://schemas.microsoft.com/office/powerpoint/2012/main" xmlns:ahyp="http://schemas.microsoft.com/office/drawing/2018/hyperlinkcolor">
+  <p:cSld>
+    <p:spTree>
+      <p:nvGrpSpPr>
+        <p:cNvPr id="231" name="Shape 231"/>
+        <p:cNvGrpSpPr/>
+        <p:nvPr/>
+      </p:nvGrpSpPr>
+      <p:grpSpPr>
+        <a:xfrm>
+          <a:off x="0" y="0"/>
+          <a:ext cx="0" cy="0"/>
+          <a:chOff x="0" y="0"/>
+          <a:chExt cx="0" cy="0"/>
+        </a:xfrm>
+      </p:grpSpPr>
+      <p:sp>
+        <p:nvSpPr>
+          <p:cNvPr id="232" name="Google Shape;232;p35"/>
+          <p:cNvSpPr txBox="1"/>
+          <p:nvPr>
+            <p:ph type="title"/>
+          </p:nvPr>
+        </p:nvSpPr>
+        <p:spPr>
+          <a:xfrm>
+            <a:off x="729450" y="1318650"/>
+            <a:ext cx="7688700" cy="535200"/>
+          </a:xfrm>
+          <a:prstGeom prst="rect">
+            <a:avLst/>
+          </a:prstGeom>
+        </p:spPr>
+        <p:txBody>
+          <a:bodyPr anchorCtr="0" anchor="t" bIns="91425" lIns="91425" spcFirstLastPara="1" rIns="91425" wrap="square" tIns="91425">
+            <a:normAutofit fontScale="90000"/>
+          </a:bodyPr>
+          <a:lstStyle/>
+          <a:p>
+            <a:pPr indent="0" lvl="0" marL="0" rtl="0" algn="l">
+              <a:spcBef>
+                <a:spcPts val="0"/>
+              </a:spcBef>
+              <a:spcAft>
+                <a:spcPts val="0"/>
+              </a:spcAft>
+              <a:buNone/>
+            </a:pPr>
+            <a:r>
+              <a:rPr lang="id"/>
+              <a:t>Supplier Analysis</a:t>
+            </a:r>
+            <a:endParaRPr/>
+          </a:p>
+        </p:txBody>
+      </p:sp>
+      <p:sp>
+        <p:nvSpPr>
+          <p:cNvPr id="233" name="Google Shape;233;p35"/>
+          <p:cNvSpPr txBox="1"/>
+          <p:nvPr>
+            <p:ph idx="1" type="body"/>
+          </p:nvPr>
+        </p:nvSpPr>
+        <p:spPr>
+          <a:xfrm>
+            <a:off x="729450" y="2078875"/>
+            <a:ext cx="7688700" cy="2261100"/>
+          </a:xfrm>
+          <a:prstGeom prst="rect">
+            <a:avLst/>
+          </a:prstGeom>
+        </p:spPr>
+        <p:txBody>
+          <a:bodyPr anchorCtr="0" anchor="t" bIns="91425" lIns="91425" spcFirstLastPara="1" rIns="91425" wrap="square" tIns="91425">
+            <a:normAutofit/>
+          </a:bodyPr>
+          <a:lstStyle/>
+          <a:p>
+            <a:pPr indent="0" lvl="0" marL="0" rtl="0" algn="l">
+              <a:spcBef>
+                <a:spcPts val="0"/>
+              </a:spcBef>
+              <a:spcAft>
+                <a:spcPts val="1200"/>
+              </a:spcAft>
+              <a:buNone/>
+            </a:pPr>
+            <a:r>
+              <a:t/>
+            </a:r>
+            <a:endParaRPr/>
+          </a:p>
+        </p:txBody>
+      </p:sp>
+      <p:pic>
+        <p:nvPicPr>
+          <p:cNvPr id="234" name="Google Shape;234;p35"/>
+          <p:cNvPicPr preferRelativeResize="0"/>
+          <p:nvPr/>
+        </p:nvPicPr>
+        <p:blipFill>
+          <a:blip r:embed="rId3">
+            <a:alphaModFix/>
+          </a:blip>
+          <a:stretch>
+            <a:fillRect/>
+          </a:stretch>
+        </p:blipFill>
+        <p:spPr>
+          <a:xfrm>
+            <a:off x="729450" y="1785325"/>
+            <a:ext cx="6591300" cy="3238500"/>
+          </a:xfrm>
+          <a:prstGeom prst="rect">
+            <a:avLst/>
+          </a:prstGeom>
+          <a:noFill/>
+          <a:ln>
+            <a:noFill/>
+          </a:ln>
+        </p:spPr>
+      </p:pic>
+    </p:spTree>
+  </p:cSld>
+  <p:clrMapOvr>
+    <a:masterClrMapping/>
+  </p:clrMapOvr>
+</p:sld>
+</file>
+
+<file path=ppt/slides/slide24.xml><?xml version="1.0" encoding="utf-8"?>
+<p:sld xmlns:a="http://schemas.openxmlformats.org/drawingml/2006/main" xmlns:r="http://schemas.openxmlformats.org/officeDocument/2006/relationships" xmlns:mc="http://schemas.openxmlformats.org/markup-compatibility/2006" xmlns:mv="urn:schemas-microsoft-com:mac:vml" xmlns:p="http://schemas.openxmlformats.org/presentationml/2006/main" xmlns:c="http://schemas.openxmlformats.org/drawingml/2006/chart" xmlns:dgm="http://schemas.openxmlformats.org/drawingml/2006/diagram" xmlns:o="urn:schemas-microsoft-com:office:office" xmlns:v="urn:schemas-microsoft-com:vml" xmlns:pvml="urn:schemas-microsoft-com:office:powerpoint" xmlns:com="http://schemas.openxmlformats.org/drawingml/2006/compatibility" xmlns:p14="http://schemas.microsoft.com/office/powerpoint/2010/main" xmlns:p15="http://schemas.microsoft.com/office/powerpoint/2012/main" xmlns:ahyp="http://schemas.microsoft.com/office/drawing/2018/hyperlinkcolor">
+  <p:cSld>
+    <p:spTree>
+      <p:nvGrpSpPr>
+        <p:cNvPr id="238" name="Shape 238"/>
+        <p:cNvGrpSpPr/>
+        <p:nvPr/>
+      </p:nvGrpSpPr>
+      <p:grpSpPr>
+        <a:xfrm>
+          <a:off x="0" y="0"/>
+          <a:ext cx="0" cy="0"/>
+          <a:chOff x="0" y="0"/>
+          <a:chExt cx="0" cy="0"/>
+        </a:xfrm>
+      </p:grpSpPr>
+      <p:sp>
+        <p:nvSpPr>
+          <p:cNvPr id="239" name="Google Shape;239;p36"/>
+          <p:cNvSpPr txBox="1"/>
+          <p:nvPr>
+            <p:ph type="title"/>
+          </p:nvPr>
+        </p:nvSpPr>
+        <p:spPr>
+          <a:xfrm>
+            <a:off x="729450" y="1318650"/>
+            <a:ext cx="7688700" cy="535200"/>
+          </a:xfrm>
+          <a:prstGeom prst="rect">
+            <a:avLst/>
+          </a:prstGeom>
+        </p:spPr>
+        <p:txBody>
+          <a:bodyPr anchorCtr="0" anchor="t" bIns="91425" lIns="91425" spcFirstLastPara="1" rIns="91425" wrap="square" tIns="91425">
+            <a:normAutofit fontScale="90000"/>
+          </a:bodyPr>
+          <a:lstStyle/>
+          <a:p>
+            <a:pPr indent="0" lvl="0" marL="0" rtl="0" algn="l">
+              <a:spcBef>
+                <a:spcPts val="0"/>
+              </a:spcBef>
+              <a:spcAft>
+                <a:spcPts val="0"/>
+              </a:spcAft>
+              <a:buNone/>
+            </a:pPr>
+            <a:r>
+              <a:rPr lang="id"/>
+              <a:t>RFM Analysis: Insight</a:t>
+            </a:r>
+            <a:endParaRPr/>
+          </a:p>
+        </p:txBody>
+      </p:sp>
+      <p:sp>
+        <p:nvSpPr>
+          <p:cNvPr id="240" name="Google Shape;240;p36"/>
           <p:cNvSpPr txBox="1"/>
           <p:nvPr>
             <p:ph idx="1" type="body"/>
@@ -11919,7 +12548,7 @@
             </a:r>
             <a:r>
               <a:rPr lang="id"/>
-              <a:t>: Query</a:t>
+              <a:t>: Flowchart</a:t>
             </a:r>
             <a:endParaRPr/>
           </a:p>
@@ -11980,36 +12609,8 @@
         </p:blipFill>
         <p:spPr>
           <a:xfrm>
-            <a:off x="768900" y="1833650"/>
-            <a:ext cx="6212550" cy="1818975"/>
-          </a:xfrm>
-          <a:prstGeom prst="rect">
-            <a:avLst/>
-          </a:prstGeom>
-          <a:noFill/>
-          <a:ln>
-            <a:noFill/>
-          </a:ln>
-        </p:spPr>
-      </p:pic>
-      <p:pic>
-        <p:nvPicPr>
-          <p:cNvPr id="112" name="Google Shape;112;p17"/>
-          <p:cNvPicPr preferRelativeResize="0"/>
-          <p:nvPr/>
-        </p:nvPicPr>
-        <p:blipFill>
-          <a:blip r:embed="rId4">
-            <a:alphaModFix/>
-          </a:blip>
-          <a:stretch>
-            <a:fillRect/>
-          </a:stretch>
-        </p:blipFill>
-        <p:spPr>
-          <a:xfrm>
-            <a:off x="729450" y="3775100"/>
-            <a:ext cx="5310300" cy="1311325"/>
+            <a:off x="862750" y="2168275"/>
+            <a:ext cx="6838950" cy="2171700"/>
           </a:xfrm>
           <a:prstGeom prst="rect">
             <a:avLst/>
@@ -12033,7 +12634,7 @@
   <p:cSld>
     <p:spTree>
       <p:nvGrpSpPr>
-        <p:cNvPr id="116" name="Shape 116"/>
+        <p:cNvPr id="115" name="Shape 115"/>
         <p:cNvGrpSpPr/>
         <p:nvPr/>
       </p:nvGrpSpPr>
@@ -12047,7 +12648,7 @@
       </p:grpSpPr>
       <p:sp>
         <p:nvSpPr>
-          <p:cNvPr id="117" name="Google Shape;117;p18"/>
+          <p:cNvPr id="116" name="Google Shape;116;p18"/>
           <p:cNvSpPr txBox="1"/>
           <p:nvPr>
             <p:ph type="title"/>
@@ -12079,11 +12680,7 @@
             </a:pPr>
             <a:r>
               <a:rPr lang="id"/>
-              <a:t>Product Analysis</a:t>
-            </a:r>
-            <a:r>
-              <a:rPr lang="id"/>
-              <a:t>: Insight</a:t>
+              <a:t>Product Analysis: Query</a:t>
             </a:r>
             <a:endParaRPr/>
           </a:p>
@@ -12091,7 +12688,7 @@
       </p:sp>
       <p:sp>
         <p:nvSpPr>
-          <p:cNvPr id="118" name="Google Shape;118;p18"/>
+          <p:cNvPr id="117" name="Google Shape;117;p18"/>
           <p:cNvSpPr txBox="1"/>
           <p:nvPr>
             <p:ph idx="1" type="body"/>
@@ -12130,7 +12727,7 @@
       </p:sp>
       <p:pic>
         <p:nvPicPr>
-          <p:cNvPr id="119" name="Google Shape;119;p18"/>
+          <p:cNvPr id="118" name="Google Shape;118;p18"/>
           <p:cNvPicPr preferRelativeResize="0"/>
           <p:nvPr/>
         </p:nvPicPr>
@@ -12144,8 +12741,36 @@
         </p:blipFill>
         <p:spPr>
           <a:xfrm>
-            <a:off x="328937" y="1774075"/>
-            <a:ext cx="6934738" cy="3232000"/>
+            <a:off x="768900" y="1833650"/>
+            <a:ext cx="6212550" cy="1818975"/>
+          </a:xfrm>
+          <a:prstGeom prst="rect">
+            <a:avLst/>
+          </a:prstGeom>
+          <a:noFill/>
+          <a:ln>
+            <a:noFill/>
+          </a:ln>
+        </p:spPr>
+      </p:pic>
+      <p:pic>
+        <p:nvPicPr>
+          <p:cNvPr id="119" name="Google Shape;119;p18"/>
+          <p:cNvPicPr preferRelativeResize="0"/>
+          <p:nvPr/>
+        </p:nvPicPr>
+        <p:blipFill>
+          <a:blip r:embed="rId4">
+            <a:alphaModFix/>
+          </a:blip>
+          <a:stretch>
+            <a:fillRect/>
+          </a:stretch>
+        </p:blipFill>
+        <p:spPr>
+          <a:xfrm>
+            <a:off x="729450" y="3775100"/>
+            <a:ext cx="5310300" cy="1311325"/>
           </a:xfrm>
           <a:prstGeom prst="rect">
             <a:avLst/>
@@ -12280,8 +12905,8 @@
         </p:blipFill>
         <p:spPr>
           <a:xfrm>
-            <a:off x="441375" y="1861425"/>
-            <a:ext cx="7122725" cy="3183626"/>
+            <a:off x="328937" y="1774075"/>
+            <a:ext cx="6934738" cy="3232000"/>
           </a:xfrm>
           <a:prstGeom prst="rect">
             <a:avLst/>
@@ -12384,47 +13009,9 @@
           </a:bodyPr>
           <a:lstStyle/>
           <a:p>
-            <a:pPr indent="-311150" lvl="0" marL="457200" rtl="0" algn="l">
-              <a:spcBef>
-                <a:spcPts val="0"/>
-              </a:spcBef>
-              <a:spcAft>
-                <a:spcPts val="0"/>
-              </a:spcAft>
-              <a:buSzPts val="1300"/>
-              <a:buChar char="●"/>
-            </a:pPr>
-            <a:r>
-              <a:rPr lang="id"/>
-              <a:t>Kita mengetahui terdapat beberapa kategori produk yang secara signifikan akan mempengaruhi hasil yang diinginkan oleh stakeholder.</a:t>
-            </a:r>
-            <a:endParaRPr/>
-          </a:p>
-          <a:p>
-            <a:pPr indent="-311150" lvl="0" marL="457200" rtl="0" algn="l">
-              <a:spcBef>
-                <a:spcPts val="0"/>
-              </a:spcBef>
-              <a:spcAft>
-                <a:spcPts val="0"/>
-              </a:spcAft>
-              <a:buSzPts val="1300"/>
-              <a:buChar char="●"/>
-            </a:pPr>
-            <a:r>
-              <a:rPr lang="id"/>
-              <a:t>Selanjutnya stakeholder dapat menyusun strategi sesuai dengan tujuan yang ingin dicapai </a:t>
-            </a:r>
-            <a:r>
-              <a:rPr lang="id"/>
-              <a:t>(meningkatkan keuntungan penjualan atau meningkatkan jumlah transaksi).</a:t>
-            </a:r>
-            <a:endParaRPr/>
-          </a:p>
-          <a:p>
             <a:pPr indent="0" lvl="0" marL="0" rtl="0" algn="l">
               <a:spcBef>
-                <a:spcPts val="1200"/>
+                <a:spcPts val="0"/>
               </a:spcBef>
               <a:spcAft>
                 <a:spcPts val="1200"/>
@@ -12438,6 +13025,34 @@
           </a:p>
         </p:txBody>
       </p:sp>
+      <p:pic>
+        <p:nvPicPr>
+          <p:cNvPr id="133" name="Google Shape;133;p20"/>
+          <p:cNvPicPr preferRelativeResize="0"/>
+          <p:nvPr/>
+        </p:nvPicPr>
+        <p:blipFill>
+          <a:blip r:embed="rId3">
+            <a:alphaModFix/>
+          </a:blip>
+          <a:stretch>
+            <a:fillRect/>
+          </a:stretch>
+        </p:blipFill>
+        <p:spPr>
+          <a:xfrm>
+            <a:off x="441375" y="1861425"/>
+            <a:ext cx="7122725" cy="3183626"/>
+          </a:xfrm>
+          <a:prstGeom prst="rect">
+            <a:avLst/>
+          </a:prstGeom>
+          <a:noFill/>
+          <a:ln>
+            <a:noFill/>
+          </a:ln>
+        </p:spPr>
+      </p:pic>
     </p:spTree>
   </p:cSld>
   <p:clrMapOvr>
@@ -12451,7 +13066,7 @@
   <p:cSld>
     <p:spTree>
       <p:nvGrpSpPr>
-        <p:cNvPr id="136" name="Shape 136"/>
+        <p:cNvPr id="137" name="Shape 137"/>
         <p:cNvGrpSpPr/>
         <p:nvPr/>
       </p:nvGrpSpPr>
@@ -12465,7 +13080,51 @@
       </p:grpSpPr>
       <p:sp>
         <p:nvSpPr>
-          <p:cNvPr id="137" name="Google Shape;137;p21"/>
+          <p:cNvPr id="138" name="Google Shape;138;p21"/>
+          <p:cNvSpPr txBox="1"/>
+          <p:nvPr>
+            <p:ph type="title"/>
+          </p:nvPr>
+        </p:nvSpPr>
+        <p:spPr>
+          <a:xfrm>
+            <a:off x="729450" y="1318650"/>
+            <a:ext cx="7688700" cy="535200"/>
+          </a:xfrm>
+          <a:prstGeom prst="rect">
+            <a:avLst/>
+          </a:prstGeom>
+        </p:spPr>
+        <p:txBody>
+          <a:bodyPr anchorCtr="0" anchor="t" bIns="91425" lIns="91425" spcFirstLastPara="1" rIns="91425" wrap="square" tIns="91425">
+            <a:normAutofit fontScale="90000"/>
+          </a:bodyPr>
+          <a:lstStyle/>
+          <a:p>
+            <a:pPr indent="0" lvl="0" marL="0" rtl="0" algn="l">
+              <a:spcBef>
+                <a:spcPts val="0"/>
+              </a:spcBef>
+              <a:spcAft>
+                <a:spcPts val="0"/>
+              </a:spcAft>
+              <a:buNone/>
+            </a:pPr>
+            <a:r>
+              <a:rPr lang="id"/>
+              <a:t>Product Analysis</a:t>
+            </a:r>
+            <a:r>
+              <a:rPr lang="id"/>
+              <a:t>: Insight</a:t>
+            </a:r>
+            <a:endParaRPr/>
+          </a:p>
+        </p:txBody>
+      </p:sp>
+      <p:sp>
+        <p:nvSpPr>
+          <p:cNvPr id="139" name="Google Shape;139;p21"/>
           <p:cNvSpPr txBox="1"/>
           <p:nvPr>
             <p:ph idx="1" type="body"/>
@@ -12473,33 +13132,70 @@
         </p:nvSpPr>
         <p:spPr>
           <a:xfrm>
-            <a:off x="311700" y="460125"/>
-            <a:ext cx="8520600" cy="4108800"/>
+            <a:off x="729450" y="2078875"/>
+            <a:ext cx="7688700" cy="2261100"/>
           </a:xfrm>
           <a:prstGeom prst="rect">
             <a:avLst/>
           </a:prstGeom>
         </p:spPr>
         <p:txBody>
-          <a:bodyPr anchorCtr="0" anchor="ctr" bIns="91425" lIns="91425" spcFirstLastPara="1" rIns="91425" wrap="square" tIns="91425">
+          <a:bodyPr anchorCtr="0" anchor="t" bIns="91425" lIns="91425" spcFirstLastPara="1" rIns="91425" wrap="square" tIns="91425">
             <a:normAutofit/>
           </a:bodyPr>
           <a:lstStyle/>
           <a:p>
-            <a:pPr indent="0" lvl="0" marL="0" rtl="0" algn="ctr">
-              <a:spcBef>
-                <a:spcPts val="0"/>
-              </a:spcBef>
-              <a:spcAft>
+            <a:pPr indent="-311150" lvl="0" marL="457200" rtl="0" algn="l">
+              <a:spcBef>
+                <a:spcPts val="0"/>
+              </a:spcBef>
+              <a:spcAft>
+                <a:spcPts val="0"/>
+              </a:spcAft>
+              <a:buSzPts val="1300"/>
+              <a:buChar char="●"/>
+            </a:pPr>
+            <a:r>
+              <a:rPr lang="id"/>
+              <a:t>Kita mengetahui terdapat beberapa kategori produk yang secara signifikan akan mempengaruhi hasil yang diinginkan oleh stakeholder.</a:t>
+            </a:r>
+            <a:endParaRPr/>
+          </a:p>
+          <a:p>
+            <a:pPr indent="-311150" lvl="0" marL="457200" rtl="0" algn="l">
+              <a:spcBef>
+                <a:spcPts val="0"/>
+              </a:spcBef>
+              <a:spcAft>
+                <a:spcPts val="0"/>
+              </a:spcAft>
+              <a:buSzPts val="1300"/>
+              <a:buChar char="●"/>
+            </a:pPr>
+            <a:r>
+              <a:rPr lang="id"/>
+              <a:t>Selanjutnya stakeholder dapat menyusun strategi sesuai dengan tujuan yang ingin dicapai </a:t>
+            </a:r>
+            <a:r>
+              <a:rPr lang="id"/>
+              <a:t>(meningkatkan keuntungan penjualan atau meningkatkan jumlah transaksi).</a:t>
+            </a:r>
+            <a:endParaRPr/>
+          </a:p>
+          <a:p>
+            <a:pPr indent="0" lvl="0" marL="0" rtl="0" algn="l">
+              <a:spcBef>
                 <a:spcPts val="1200"/>
+              </a:spcBef>
+              <a:spcAft>
+                <a:spcPts val="1200"/>
               </a:spcAft>
               <a:buNone/>
             </a:pPr>
             <a:r>
-              <a:rPr lang="id" sz="3600"/>
-              <a:t>RFM Analysis</a:t>
-            </a:r>
-            <a:endParaRPr sz="3600"/>
+              <a:t/>
+            </a:r>
+            <a:endParaRPr/>
           </a:p>
         </p:txBody>
       </p:sp>
@@ -12512,6 +13208,285 @@
 </file>
 
 <file path=ppt/theme/theme1.xml><?xml version="1.0" encoding="utf-8"?>
+<a:theme xmlns:a="http://schemas.openxmlformats.org/drawingml/2006/main" xmlns:r="http://schemas.openxmlformats.org/officeDocument/2006/relationships">
+  <a:themeElements>
+    <a:clrScheme name="Default">
+      <a:dk1>
+        <a:srgbClr val="000000"/>
+      </a:dk1>
+      <a:lt1>
+        <a:srgbClr val="FFFFFF"/>
+      </a:lt1>
+      <a:dk2>
+        <a:srgbClr val="158158"/>
+      </a:dk2>
+      <a:lt2>
+        <a:srgbClr val="F3F3F3"/>
+      </a:lt2>
+      <a:accent1>
+        <a:srgbClr val="058DC7"/>
+      </a:accent1>
+      <a:accent2>
+        <a:srgbClr val="50B432"/>
+      </a:accent2>
+      <a:accent3>
+        <a:srgbClr val="ED561B"/>
+      </a:accent3>
+      <a:accent4>
+        <a:srgbClr val="EDEF00"/>
+      </a:accent4>
+      <a:accent5>
+        <a:srgbClr val="24CBE5"/>
+      </a:accent5>
+      <a:accent6>
+        <a:srgbClr val="64E572"/>
+      </a:accent6>
+      <a:hlink>
+        <a:srgbClr val="2200CC"/>
+      </a:hlink>
+      <a:folHlink>
+        <a:srgbClr val="551A8B"/>
+      </a:folHlink>
+    </a:clrScheme>
+    <a:fontScheme name="Office">
+      <a:majorFont>
+        <a:latin typeface="Arial"/>
+        <a:ea typeface=""/>
+        <a:cs typeface=""/>
+        <a:font script="Jpan" typeface="ＭＳ Ｐゴシック"/>
+        <a:font script="Hang" typeface="맑은 고딕"/>
+        <a:font script="Hans" typeface="宋体"/>
+        <a:font script="Hant" typeface="新細明體"/>
+        <a:font script="Arab" typeface="Times New Roman"/>
+        <a:font script="Hebr" typeface="Times New Roman"/>
+        <a:font script="Thai" typeface="Angsana New"/>
+        <a:font script="Ethi" typeface="Nyala"/>
+        <a:font script="Beng" typeface="Vrinda"/>
+        <a:font script="Gujr" typeface="Shruti"/>
+        <a:font script="Khmr" typeface="MoolBoran"/>
+        <a:font script="Knda" typeface="Tunga"/>
+        <a:font script="Guru" typeface="Raavi"/>
+        <a:font script="Cans" typeface="Euphemia"/>
+        <a:font script="Cher" typeface="Plantagenet Cherokee"/>
+        <a:font script="Yiii" typeface="Microsoft Yi Baiti"/>
+        <a:font script="Tibt" typeface="Microsoft Himalaya"/>
+        <a:font script="Thaa" typeface="MV Boli"/>
+        <a:font script="Deva" typeface="Mangal"/>
+        <a:font script="Telu" typeface="Gautami"/>
+        <a:font script="Taml" typeface="Latha"/>
+        <a:font script="Syrc" typeface="Estrangelo Edessa"/>
+        <a:font script="Orya" typeface="Kalinga"/>
+        <a:font script="Mlym" typeface="Kartika"/>
+        <a:font script="Laoo" typeface="DokChampa"/>
+        <a:font script="Sinh" typeface="Iskoola Pota"/>
+        <a:font script="Mong" typeface="Mongolian Baiti"/>
+        <a:font script="Viet" typeface="Times New Roman"/>
+        <a:font script="Uigh" typeface="Microsoft Uighur"/>
+        <a:font script="Geor" typeface="Sylfaen"/>
+      </a:majorFont>
+      <a:minorFont>
+        <a:latin typeface="Arial"/>
+        <a:ea typeface=""/>
+        <a:cs typeface=""/>
+        <a:font script="Jpan" typeface="ＭＳ Ｐゴシック"/>
+        <a:font script="Hang" typeface="맑은 고딕"/>
+        <a:font script="Hans" typeface="宋体"/>
+        <a:font script="Hant" typeface="新細明體"/>
+        <a:font script="Arab" typeface="Arial"/>
+        <a:font script="Hebr" typeface="Arial"/>
+        <a:font script="Thai" typeface="Cordia New"/>
+        <a:font script="Ethi" typeface="Nyala"/>
+        <a:font script="Beng" typeface="Vrinda"/>
+        <a:font script="Gujr" typeface="Shruti"/>
+        <a:font script="Khmr" typeface="DaunPenh"/>
+        <a:font script="Knda" typeface="Tunga"/>
+        <a:font script="Guru" typeface="Raavi"/>
+        <a:font script="Cans" typeface="Euphemia"/>
+        <a:font script="Cher" typeface="Plantagenet Cherokee"/>
+        <a:font script="Yiii" typeface="Microsoft Yi Baiti"/>
+        <a:font script="Tibt" typeface="Microsoft Himalaya"/>
+        <a:font script="Thaa" typeface="MV Boli"/>
+        <a:font script="Deva" typeface="Mangal"/>
+        <a:font script="Telu" typeface="Gautami"/>
+        <a:font script="Taml" typeface="Latha"/>
+        <a:font script="Syrc" typeface="Estrangelo Edessa"/>
+        <a:font script="Orya" typeface="Kalinga"/>
+        <a:font script="Mlym" typeface="Kartika"/>
+        <a:font script="Laoo" typeface="DokChampa"/>
+        <a:font script="Sinh" typeface="Iskoola Pota"/>
+        <a:font script="Mong" typeface="Mongolian Baiti"/>
+        <a:font script="Viet" typeface="Arial"/>
+        <a:font script="Uigh" typeface="Microsoft Uighur"/>
+        <a:font script="Geor" typeface="Sylfaen"/>
+      </a:minorFont>
+    </a:fontScheme>
+    <a:fmtScheme name="Office">
+      <a:fillStyleLst>
+        <a:solidFill>
+          <a:schemeClr val="phClr"/>
+        </a:solidFill>
+        <a:gradFill rotWithShape="1">
+          <a:gsLst>
+            <a:gs pos="0">
+              <a:schemeClr val="phClr">
+                <a:tint val="50000"/>
+                <a:satMod val="300000"/>
+              </a:schemeClr>
+            </a:gs>
+            <a:gs pos="35000">
+              <a:schemeClr val="phClr">
+                <a:tint val="37000"/>
+                <a:satMod val="300000"/>
+              </a:schemeClr>
+            </a:gs>
+            <a:gs pos="100000">
+              <a:schemeClr val="phClr">
+                <a:tint val="15000"/>
+                <a:satMod val="350000"/>
+              </a:schemeClr>
+            </a:gs>
+          </a:gsLst>
+          <a:lin ang="16200000" scaled="1"/>
+        </a:gradFill>
+        <a:gradFill rotWithShape="1">
+          <a:gsLst>
+            <a:gs pos="0">
+              <a:schemeClr val="phClr">
+                <a:tint val="100000"/>
+                <a:shade val="100000"/>
+                <a:satMod val="130000"/>
+              </a:schemeClr>
+            </a:gs>
+            <a:gs pos="100000">
+              <a:schemeClr val="phClr">
+                <a:tint val="50000"/>
+                <a:shade val="100000"/>
+                <a:satMod val="350000"/>
+              </a:schemeClr>
+            </a:gs>
+          </a:gsLst>
+          <a:lin ang="16200000" scaled="0"/>
+        </a:gradFill>
+      </a:fillStyleLst>
+      <a:lnStyleLst>
+        <a:ln w="9525" cap="flat" cmpd="sng" algn="ctr">
+          <a:solidFill>
+            <a:schemeClr val="phClr">
+              <a:shade val="95000"/>
+              <a:satMod val="105000"/>
+            </a:schemeClr>
+          </a:solidFill>
+          <a:prstDash val="solid"/>
+        </a:ln>
+        <a:ln w="25400" cap="flat" cmpd="sng" algn="ctr">
+          <a:solidFill>
+            <a:schemeClr val="phClr"/>
+          </a:solidFill>
+          <a:prstDash val="solid"/>
+        </a:ln>
+        <a:ln w="38100" cap="flat" cmpd="sng" algn="ctr">
+          <a:solidFill>
+            <a:schemeClr val="phClr"/>
+          </a:solidFill>
+          <a:prstDash val="solid"/>
+        </a:ln>
+      </a:lnStyleLst>
+      <a:effectStyleLst>
+        <a:effectStyle>
+          <a:effectLst>
+            <a:outerShdw blurRad="40000" dist="20000" dir="5400000" rotWithShape="0">
+              <a:srgbClr val="000000">
+                <a:alpha val="38000"/>
+              </a:srgbClr>
+            </a:outerShdw>
+          </a:effectLst>
+        </a:effectStyle>
+        <a:effectStyle>
+          <a:effectLst>
+            <a:outerShdw blurRad="40000" dist="23000" dir="5400000" rotWithShape="0">
+              <a:srgbClr val="000000">
+                <a:alpha val="35000"/>
+              </a:srgbClr>
+            </a:outerShdw>
+          </a:effectLst>
+        </a:effectStyle>
+        <a:effectStyle>
+          <a:effectLst>
+            <a:outerShdw blurRad="40000" dist="23000" dir="5400000" rotWithShape="0">
+              <a:srgbClr val="000000">
+                <a:alpha val="35000"/>
+              </a:srgbClr>
+            </a:outerShdw>
+          </a:effectLst>
+          <a:scene3d>
+            <a:camera prst="orthographicFront">
+              <a:rot lat="0" lon="0" rev="0"/>
+            </a:camera>
+            <a:lightRig rig="threePt" dir="t">
+              <a:rot lat="0" lon="0" rev="1200000"/>
+            </a:lightRig>
+          </a:scene3d>
+          <a:sp3d>
+            <a:bevelT w="63500" h="25400"/>
+          </a:sp3d>
+        </a:effectStyle>
+      </a:effectStyleLst>
+      <a:bgFillStyleLst>
+        <a:solidFill>
+          <a:schemeClr val="phClr"/>
+        </a:solidFill>
+        <a:gradFill rotWithShape="1">
+          <a:gsLst>
+            <a:gs pos="0">
+              <a:schemeClr val="phClr">
+                <a:tint val="40000"/>
+                <a:satMod val="350000"/>
+              </a:schemeClr>
+            </a:gs>
+            <a:gs pos="40000">
+              <a:schemeClr val="phClr">
+                <a:tint val="45000"/>
+                <a:shade val="99000"/>
+                <a:satMod val="350000"/>
+              </a:schemeClr>
+            </a:gs>
+            <a:gs pos="100000">
+              <a:schemeClr val="phClr">
+                <a:shade val="20000"/>
+                <a:satMod val="255000"/>
+              </a:schemeClr>
+            </a:gs>
+          </a:gsLst>
+          <a:path path="circle">
+            <a:fillToRect l="50000" t="-80000" r="50000" b="180000"/>
+          </a:path>
+        </a:gradFill>
+        <a:gradFill rotWithShape="1">
+          <a:gsLst>
+            <a:gs pos="0">
+              <a:schemeClr val="phClr">
+                <a:tint val="80000"/>
+                <a:satMod val="300000"/>
+              </a:schemeClr>
+            </a:gs>
+            <a:gs pos="100000">
+              <a:schemeClr val="phClr">
+                <a:shade val="30000"/>
+                <a:satMod val="200000"/>
+              </a:schemeClr>
+            </a:gs>
+          </a:gsLst>
+          <a:path path="circle">
+            <a:fillToRect l="50000" t="50000" r="50000" b="50000"/>
+          </a:path>
+        </a:gradFill>
+      </a:bgFillStyleLst>
+    </a:fmtScheme>
+  </a:themeElements>
+</a:theme>
+</file>
+
+<file path=ppt/theme/theme2.xml><?xml version="1.0" encoding="utf-8"?>
 <a:theme xmlns:a="http://schemas.openxmlformats.org/drawingml/2006/main" xmlns:r="http://schemas.openxmlformats.org/officeDocument/2006/relationships" name="Streamline">
   <a:themeElements>
     <a:clrScheme name="Streamline">
@@ -12788,283 +13763,4 @@
     </a:fmtScheme>
   </a:themeElements>
 </a:theme>
-</file>
-
-<file path=ppt/theme/theme2.xml><?xml version="1.0" encoding="utf-8"?>
-<a:theme xmlns:a="http://schemas.openxmlformats.org/drawingml/2006/main" xmlns:r="http://schemas.openxmlformats.org/officeDocument/2006/relationships">
-  <a:themeElements>
-    <a:clrScheme name="Default">
-      <a:dk1>
-        <a:srgbClr val="000000"/>
-      </a:dk1>
-      <a:lt1>
-        <a:srgbClr val="FFFFFF"/>
-      </a:lt1>
-      <a:dk2>
-        <a:srgbClr val="158158"/>
-      </a:dk2>
-      <a:lt2>
-        <a:srgbClr val="F3F3F3"/>
-      </a:lt2>
-      <a:accent1>
-        <a:srgbClr val="058DC7"/>
-      </a:accent1>
-      <a:accent2>
-        <a:srgbClr val="50B432"/>
-      </a:accent2>
-      <a:accent3>
-        <a:srgbClr val="ED561B"/>
-      </a:accent3>
-      <a:accent4>
-        <a:srgbClr val="EDEF00"/>
-      </a:accent4>
-      <a:accent5>
-        <a:srgbClr val="24CBE5"/>
-      </a:accent5>
-      <a:accent6>
-        <a:srgbClr val="64E572"/>
-      </a:accent6>
-      <a:hlink>
-        <a:srgbClr val="2200CC"/>
-      </a:hlink>
-      <a:folHlink>
-        <a:srgbClr val="551A8B"/>
-      </a:folHlink>
-    </a:clrScheme>
-    <a:fontScheme name="Office">
-      <a:majorFont>
-        <a:latin typeface="Arial"/>
-        <a:ea typeface=""/>
-        <a:cs typeface=""/>
-        <a:font script="Jpan" typeface="ＭＳ Ｐゴシック"/>
-        <a:font script="Hang" typeface="맑은 고딕"/>
-        <a:font script="Hans" typeface="宋体"/>
-        <a:font script="Hant" typeface="新細明體"/>
-        <a:font script="Arab" typeface="Times New Roman"/>
-        <a:font script="Hebr" typeface="Times New Roman"/>
-        <a:font script="Thai" typeface="Angsana New"/>
-        <a:font script="Ethi" typeface="Nyala"/>
-        <a:font script="Beng" typeface="Vrinda"/>
-        <a:font script="Gujr" typeface="Shruti"/>
-        <a:font script="Khmr" typeface="MoolBoran"/>
-        <a:font script="Knda" typeface="Tunga"/>
-        <a:font script="Guru" typeface="Raavi"/>
-        <a:font script="Cans" typeface="Euphemia"/>
-        <a:font script="Cher" typeface="Plantagenet Cherokee"/>
-        <a:font script="Yiii" typeface="Microsoft Yi Baiti"/>
-        <a:font script="Tibt" typeface="Microsoft Himalaya"/>
-        <a:font script="Thaa" typeface="MV Boli"/>
-        <a:font script="Deva" typeface="Mangal"/>
-        <a:font script="Telu" typeface="Gautami"/>
-        <a:font script="Taml" typeface="Latha"/>
-        <a:font script="Syrc" typeface="Estrangelo Edessa"/>
-        <a:font script="Orya" typeface="Kalinga"/>
-        <a:font script="Mlym" typeface="Kartika"/>
-        <a:font script="Laoo" typeface="DokChampa"/>
-        <a:font script="Sinh" typeface="Iskoola Pota"/>
-        <a:font script="Mong" typeface="Mongolian Baiti"/>
-        <a:font script="Viet" typeface="Times New Roman"/>
-        <a:font script="Uigh" typeface="Microsoft Uighur"/>
-        <a:font script="Geor" typeface="Sylfaen"/>
-      </a:majorFont>
-      <a:minorFont>
-        <a:latin typeface="Arial"/>
-        <a:ea typeface=""/>
-        <a:cs typeface=""/>
-        <a:font script="Jpan" typeface="ＭＳ Ｐゴシック"/>
-        <a:font script="Hang" typeface="맑은 고딕"/>
-        <a:font script="Hans" typeface="宋体"/>
-        <a:font script="Hant" typeface="新細明體"/>
-        <a:font script="Arab" typeface="Arial"/>
-        <a:font script="Hebr" typeface="Arial"/>
-        <a:font script="Thai" typeface="Cordia New"/>
-        <a:font script="Ethi" typeface="Nyala"/>
-        <a:font script="Beng" typeface="Vrinda"/>
-        <a:font script="Gujr" typeface="Shruti"/>
-        <a:font script="Khmr" typeface="DaunPenh"/>
-        <a:font script="Knda" typeface="Tunga"/>
-        <a:font script="Guru" typeface="Raavi"/>
-        <a:font script="Cans" typeface="Euphemia"/>
-        <a:font script="Cher" typeface="Plantagenet Cherokee"/>
-        <a:font script="Yiii" typeface="Microsoft Yi Baiti"/>
-        <a:font script="Tibt" typeface="Microsoft Himalaya"/>
-        <a:font script="Thaa" typeface="MV Boli"/>
-        <a:font script="Deva" typeface="Mangal"/>
-        <a:font script="Telu" typeface="Gautami"/>
-        <a:font script="Taml" typeface="Latha"/>
-        <a:font script="Syrc" typeface="Estrangelo Edessa"/>
-        <a:font script="Orya" typeface="Kalinga"/>
-        <a:font script="Mlym" typeface="Kartika"/>
-        <a:font script="Laoo" typeface="DokChampa"/>
-        <a:font script="Sinh" typeface="Iskoola Pota"/>
-        <a:font script="Mong" typeface="Mongolian Baiti"/>
-        <a:font script="Viet" typeface="Arial"/>
-        <a:font script="Uigh" typeface="Microsoft Uighur"/>
-        <a:font script="Geor" typeface="Sylfaen"/>
-      </a:minorFont>
-    </a:fontScheme>
-    <a:fmtScheme name="Office">
-      <a:fillStyleLst>
-        <a:solidFill>
-          <a:schemeClr val="phClr"/>
-        </a:solidFill>
-        <a:gradFill rotWithShape="1">
-          <a:gsLst>
-            <a:gs pos="0">
-              <a:schemeClr val="phClr">
-                <a:tint val="50000"/>
-                <a:satMod val="300000"/>
-              </a:schemeClr>
-            </a:gs>
-            <a:gs pos="35000">
-              <a:schemeClr val="phClr">
-                <a:tint val="37000"/>
-                <a:satMod val="300000"/>
-              </a:schemeClr>
-            </a:gs>
-            <a:gs pos="100000">
-              <a:schemeClr val="phClr">
-                <a:tint val="15000"/>
-                <a:satMod val="350000"/>
-              </a:schemeClr>
-            </a:gs>
-          </a:gsLst>
-          <a:lin ang="16200000" scaled="1"/>
-        </a:gradFill>
-        <a:gradFill rotWithShape="1">
-          <a:gsLst>
-            <a:gs pos="0">
-              <a:schemeClr val="phClr">
-                <a:tint val="100000"/>
-                <a:shade val="100000"/>
-                <a:satMod val="130000"/>
-              </a:schemeClr>
-            </a:gs>
-            <a:gs pos="100000">
-              <a:schemeClr val="phClr">
-                <a:tint val="50000"/>
-                <a:shade val="100000"/>
-                <a:satMod val="350000"/>
-              </a:schemeClr>
-            </a:gs>
-          </a:gsLst>
-          <a:lin ang="16200000" scaled="0"/>
-        </a:gradFill>
-      </a:fillStyleLst>
-      <a:lnStyleLst>
-        <a:ln w="9525" cap="flat" cmpd="sng" algn="ctr">
-          <a:solidFill>
-            <a:schemeClr val="phClr">
-              <a:shade val="95000"/>
-              <a:satMod val="105000"/>
-            </a:schemeClr>
-          </a:solidFill>
-          <a:prstDash val="solid"/>
-        </a:ln>
-        <a:ln w="25400" cap="flat" cmpd="sng" algn="ctr">
-          <a:solidFill>
-            <a:schemeClr val="phClr"/>
-          </a:solidFill>
-          <a:prstDash val="solid"/>
-        </a:ln>
-        <a:ln w="38100" cap="flat" cmpd="sng" algn="ctr">
-          <a:solidFill>
-            <a:schemeClr val="phClr"/>
-          </a:solidFill>
-          <a:prstDash val="solid"/>
-        </a:ln>
-      </a:lnStyleLst>
-      <a:effectStyleLst>
-        <a:effectStyle>
-          <a:effectLst>
-            <a:outerShdw blurRad="40000" dist="20000" dir="5400000" rotWithShape="0">
-              <a:srgbClr val="000000">
-                <a:alpha val="38000"/>
-              </a:srgbClr>
-            </a:outerShdw>
-          </a:effectLst>
-        </a:effectStyle>
-        <a:effectStyle>
-          <a:effectLst>
-            <a:outerShdw blurRad="40000" dist="23000" dir="5400000" rotWithShape="0">
-              <a:srgbClr val="000000">
-                <a:alpha val="35000"/>
-              </a:srgbClr>
-            </a:outerShdw>
-          </a:effectLst>
-        </a:effectStyle>
-        <a:effectStyle>
-          <a:effectLst>
-            <a:outerShdw blurRad="40000" dist="23000" dir="5400000" rotWithShape="0">
-              <a:srgbClr val="000000">
-                <a:alpha val="35000"/>
-              </a:srgbClr>
-            </a:outerShdw>
-          </a:effectLst>
-          <a:scene3d>
-            <a:camera prst="orthographicFront">
-              <a:rot lat="0" lon="0" rev="0"/>
-            </a:camera>
-            <a:lightRig rig="threePt" dir="t">
-              <a:rot lat="0" lon="0" rev="1200000"/>
-            </a:lightRig>
-          </a:scene3d>
-          <a:sp3d>
-            <a:bevelT w="63500" h="25400"/>
-          </a:sp3d>
-        </a:effectStyle>
-      </a:effectStyleLst>
-      <a:bgFillStyleLst>
-        <a:solidFill>
-          <a:schemeClr val="phClr"/>
-        </a:solidFill>
-        <a:gradFill rotWithShape="1">
-          <a:gsLst>
-            <a:gs pos="0">
-              <a:schemeClr val="phClr">
-                <a:tint val="40000"/>
-                <a:satMod val="350000"/>
-              </a:schemeClr>
-            </a:gs>
-            <a:gs pos="40000">
-              <a:schemeClr val="phClr">
-                <a:tint val="45000"/>
-                <a:shade val="99000"/>
-                <a:satMod val="350000"/>
-              </a:schemeClr>
-            </a:gs>
-            <a:gs pos="100000">
-              <a:schemeClr val="phClr">
-                <a:shade val="20000"/>
-                <a:satMod val="255000"/>
-              </a:schemeClr>
-            </a:gs>
-          </a:gsLst>
-          <a:path path="circle">
-            <a:fillToRect l="50000" t="-80000" r="50000" b="180000"/>
-          </a:path>
-        </a:gradFill>
-        <a:gradFill rotWithShape="1">
-          <a:gsLst>
-            <a:gs pos="0">
-              <a:schemeClr val="phClr">
-                <a:tint val="80000"/>
-                <a:satMod val="300000"/>
-              </a:schemeClr>
-            </a:gs>
-            <a:gs pos="100000">
-              <a:schemeClr val="phClr">
-                <a:shade val="30000"/>
-                <a:satMod val="200000"/>
-              </a:schemeClr>
-            </a:gs>
-          </a:gsLst>
-          <a:path path="circle">
-            <a:fillToRect l="50000" t="50000" r="50000" b="50000"/>
-          </a:path>
-        </a:gradFill>
-      </a:bgFillStyleLst>
-    </a:fmtScheme>
-  </a:themeElements>
-</a:theme>
 </file>